--- a/docpac_dec10/Dec3 Weekly Review.pptx
+++ b/docpac_dec10/Dec3 Weekly Review.pptx
@@ -11,9 +11,10 @@
     <p:sldId id="261" r:id="rId5"/>
     <p:sldId id="259" r:id="rId6"/>
     <p:sldId id="263" r:id="rId7"/>
-    <p:sldId id="258" r:id="rId8"/>
-    <p:sldId id="264" r:id="rId9"/>
-    <p:sldId id="262" r:id="rId10"/>
+    <p:sldId id="265" r:id="rId8"/>
+    <p:sldId id="258" r:id="rId9"/>
+    <p:sldId id="264" r:id="rId10"/>
+    <p:sldId id="262" r:id="rId11"/>
   </p:sldIdLst>
   <p:sldSz cx="12192000" cy="6858000"/>
   <p:notesSz cx="6858000" cy="9144000"/>
@@ -112,6 +113,11 @@
       </a:defRPr>
     </a:lvl9pPr>
   </p:defaultTextStyle>
+  <p:extLst>
+    <p:ext uri="{EFAFB233-063F-42B5-8137-9DF3F51BA10A}">
+      <p15:sldGuideLst xmlns:p15="http://schemas.microsoft.com/office/powerpoint/2012/main"/>
+    </p:ext>
+  </p:extLst>
 </p:presentation>
 </file>
 
@@ -247,6 +253,94 @@
       </pc:sldChg>
     </pc:docChg>
   </pc:docChgLst>
+  <pc:docChgLst>
+    <pc:chgData name="Christopher Smith" userId="dd7fc2d5-9988-40ef-9498-c94fd49fd9a4" providerId="ADAL" clId="{B267E623-3278-4F59-B6FA-15E402E05606}"/>
+    <pc:docChg chg="custSel addSld modSld">
+      <pc:chgData name="Christopher Smith" userId="dd7fc2d5-9988-40ef-9498-c94fd49fd9a4" providerId="ADAL" clId="{B267E623-3278-4F59-B6FA-15E402E05606}" dt="2021-12-06T18:36:20.913" v="378"/>
+      <pc:docMkLst>
+        <pc:docMk/>
+      </pc:docMkLst>
+      <pc:sldChg chg="modAnim">
+        <pc:chgData name="Christopher Smith" userId="dd7fc2d5-9988-40ef-9498-c94fd49fd9a4" providerId="ADAL" clId="{B267E623-3278-4F59-B6FA-15E402E05606}" dt="2021-12-06T18:35:57.732" v="370"/>
+        <pc:sldMkLst>
+          <pc:docMk/>
+          <pc:sldMk cId="4278114805" sldId="257"/>
+        </pc:sldMkLst>
+      </pc:sldChg>
+      <pc:sldChg chg="modAnim">
+        <pc:chgData name="Christopher Smith" userId="dd7fc2d5-9988-40ef-9498-c94fd49fd9a4" providerId="ADAL" clId="{B267E623-3278-4F59-B6FA-15E402E05606}" dt="2021-12-06T18:36:16.441" v="376"/>
+        <pc:sldMkLst>
+          <pc:docMk/>
+          <pc:sldMk cId="67643946" sldId="258"/>
+        </pc:sldMkLst>
+      </pc:sldChg>
+      <pc:sldChg chg="modAnim">
+        <pc:chgData name="Christopher Smith" userId="dd7fc2d5-9988-40ef-9498-c94fd49fd9a4" providerId="ADAL" clId="{B267E623-3278-4F59-B6FA-15E402E05606}" dt="2021-12-06T18:36:08.690" v="373"/>
+        <pc:sldMkLst>
+          <pc:docMk/>
+          <pc:sldMk cId="117509307" sldId="259"/>
+        </pc:sldMkLst>
+      </pc:sldChg>
+      <pc:sldChg chg="modAnim">
+        <pc:chgData name="Christopher Smith" userId="dd7fc2d5-9988-40ef-9498-c94fd49fd9a4" providerId="ADAL" clId="{B267E623-3278-4F59-B6FA-15E402E05606}" dt="2021-12-06T18:36:00.349" v="371"/>
+        <pc:sldMkLst>
+          <pc:docMk/>
+          <pc:sldMk cId="351642230" sldId="260"/>
+        </pc:sldMkLst>
+      </pc:sldChg>
+      <pc:sldChg chg="modAnim">
+        <pc:chgData name="Christopher Smith" userId="dd7fc2d5-9988-40ef-9498-c94fd49fd9a4" providerId="ADAL" clId="{B267E623-3278-4F59-B6FA-15E402E05606}" dt="2021-12-06T18:36:05.016" v="372"/>
+        <pc:sldMkLst>
+          <pc:docMk/>
+          <pc:sldMk cId="2182241929" sldId="261"/>
+        </pc:sldMkLst>
+      </pc:sldChg>
+      <pc:sldChg chg="modAnim">
+        <pc:chgData name="Christopher Smith" userId="dd7fc2d5-9988-40ef-9498-c94fd49fd9a4" providerId="ADAL" clId="{B267E623-3278-4F59-B6FA-15E402E05606}" dt="2021-12-06T18:36:20.913" v="378"/>
+        <pc:sldMkLst>
+          <pc:docMk/>
+          <pc:sldMk cId="2263376075" sldId="262"/>
+        </pc:sldMkLst>
+      </pc:sldChg>
+      <pc:sldChg chg="modAnim">
+        <pc:chgData name="Christopher Smith" userId="dd7fc2d5-9988-40ef-9498-c94fd49fd9a4" providerId="ADAL" clId="{B267E623-3278-4F59-B6FA-15E402E05606}" dt="2021-12-06T18:36:11.626" v="374"/>
+        <pc:sldMkLst>
+          <pc:docMk/>
+          <pc:sldMk cId="59681919" sldId="263"/>
+        </pc:sldMkLst>
+      </pc:sldChg>
+      <pc:sldChg chg="modAnim">
+        <pc:chgData name="Christopher Smith" userId="dd7fc2d5-9988-40ef-9498-c94fd49fd9a4" providerId="ADAL" clId="{B267E623-3278-4F59-B6FA-15E402E05606}" dt="2021-12-06T18:36:18.579" v="377"/>
+        <pc:sldMkLst>
+          <pc:docMk/>
+          <pc:sldMk cId="1845023030" sldId="264"/>
+        </pc:sldMkLst>
+      </pc:sldChg>
+      <pc:sldChg chg="modSp add modAnim">
+        <pc:chgData name="Christopher Smith" userId="dd7fc2d5-9988-40ef-9498-c94fd49fd9a4" providerId="ADAL" clId="{B267E623-3278-4F59-B6FA-15E402E05606}" dt="2021-12-06T18:36:14.322" v="375"/>
+        <pc:sldMkLst>
+          <pc:docMk/>
+          <pc:sldMk cId="3515259207" sldId="265"/>
+        </pc:sldMkLst>
+        <pc:spChg chg="mod">
+          <ac:chgData name="Christopher Smith" userId="dd7fc2d5-9988-40ef-9498-c94fd49fd9a4" providerId="ADAL" clId="{B267E623-3278-4F59-B6FA-15E402E05606}" dt="2021-12-06T18:33:24.703" v="15" actId="20577"/>
+          <ac:spMkLst>
+            <pc:docMk/>
+            <pc:sldMk cId="3515259207" sldId="265"/>
+            <ac:spMk id="2" creationId="{4C168A7B-50E6-4A69-9A34-B3A24AF083D4}"/>
+          </ac:spMkLst>
+        </pc:spChg>
+        <pc:spChg chg="mod">
+          <ac:chgData name="Christopher Smith" userId="dd7fc2d5-9988-40ef-9498-c94fd49fd9a4" providerId="ADAL" clId="{B267E623-3278-4F59-B6FA-15E402E05606}" dt="2021-12-06T18:35:51.998" v="369" actId="20577"/>
+          <ac:spMkLst>
+            <pc:docMk/>
+            <pc:sldMk cId="3515259207" sldId="265"/>
+            <ac:spMk id="3" creationId="{5700B672-4E1E-463E-8A39-DB1DF451C3D6}"/>
+          </ac:spMkLst>
+        </pc:spChg>
+      </pc:sldChg>
+    </pc:docChg>
+  </pc:docChgLst>
 </pc:chgInfo>
 </file>
 
@@ -397,7 +491,7 @@
           <a:p>
             <a:fld id="{3B5E23F9-BC16-40C9-B41C-40765C692192}" type="datetimeFigureOut">
               <a:rPr lang="en-US" smtClean="0"/>
-              <a:t>12/5/2021</a:t>
+              <a:t>12/6/2021</a:t>
             </a:fld>
             <a:endParaRPr lang="en-US"/>
           </a:p>
@@ -595,7 +689,7 @@
           <a:p>
             <a:fld id="{3B5E23F9-BC16-40C9-B41C-40765C692192}" type="datetimeFigureOut">
               <a:rPr lang="en-US" smtClean="0"/>
-              <a:t>12/5/2021</a:t>
+              <a:t>12/6/2021</a:t>
             </a:fld>
             <a:endParaRPr lang="en-US"/>
           </a:p>
@@ -803,7 +897,7 @@
           <a:p>
             <a:fld id="{3B5E23F9-BC16-40C9-B41C-40765C692192}" type="datetimeFigureOut">
               <a:rPr lang="en-US" smtClean="0"/>
-              <a:t>12/5/2021</a:t>
+              <a:t>12/6/2021</a:t>
             </a:fld>
             <a:endParaRPr lang="en-US"/>
           </a:p>
@@ -1001,7 +1095,7 @@
           <a:p>
             <a:fld id="{3B5E23F9-BC16-40C9-B41C-40765C692192}" type="datetimeFigureOut">
               <a:rPr lang="en-US" smtClean="0"/>
-              <a:t>12/5/2021</a:t>
+              <a:t>12/6/2021</a:t>
             </a:fld>
             <a:endParaRPr lang="en-US"/>
           </a:p>
@@ -1276,7 +1370,7 @@
           <a:p>
             <a:fld id="{3B5E23F9-BC16-40C9-B41C-40765C692192}" type="datetimeFigureOut">
               <a:rPr lang="en-US" smtClean="0"/>
-              <a:t>12/5/2021</a:t>
+              <a:t>12/6/2021</a:t>
             </a:fld>
             <a:endParaRPr lang="en-US"/>
           </a:p>
@@ -1541,7 +1635,7 @@
           <a:p>
             <a:fld id="{3B5E23F9-BC16-40C9-B41C-40765C692192}" type="datetimeFigureOut">
               <a:rPr lang="en-US" smtClean="0"/>
-              <a:t>12/5/2021</a:t>
+              <a:t>12/6/2021</a:t>
             </a:fld>
             <a:endParaRPr lang="en-US"/>
           </a:p>
@@ -1953,7 +2047,7 @@
           <a:p>
             <a:fld id="{3B5E23F9-BC16-40C9-B41C-40765C692192}" type="datetimeFigureOut">
               <a:rPr lang="en-US" smtClean="0"/>
-              <a:t>12/5/2021</a:t>
+              <a:t>12/6/2021</a:t>
             </a:fld>
             <a:endParaRPr lang="en-US"/>
           </a:p>
@@ -2094,7 +2188,7 @@
           <a:p>
             <a:fld id="{3B5E23F9-BC16-40C9-B41C-40765C692192}" type="datetimeFigureOut">
               <a:rPr lang="en-US" smtClean="0"/>
-              <a:t>12/5/2021</a:t>
+              <a:t>12/6/2021</a:t>
             </a:fld>
             <a:endParaRPr lang="en-US"/>
           </a:p>
@@ -2207,7 +2301,7 @@
           <a:p>
             <a:fld id="{3B5E23F9-BC16-40C9-B41C-40765C692192}" type="datetimeFigureOut">
               <a:rPr lang="en-US" smtClean="0"/>
-              <a:t>12/5/2021</a:t>
+              <a:t>12/6/2021</a:t>
             </a:fld>
             <a:endParaRPr lang="en-US"/>
           </a:p>
@@ -2518,7 +2612,7 @@
           <a:p>
             <a:fld id="{3B5E23F9-BC16-40C9-B41C-40765C692192}" type="datetimeFigureOut">
               <a:rPr lang="en-US" smtClean="0"/>
-              <a:t>12/5/2021</a:t>
+              <a:t>12/6/2021</a:t>
             </a:fld>
             <a:endParaRPr lang="en-US"/>
           </a:p>
@@ -2806,7 +2900,7 @@
           <a:p>
             <a:fld id="{3B5E23F9-BC16-40C9-B41C-40765C692192}" type="datetimeFigureOut">
               <a:rPr lang="en-US" smtClean="0"/>
-              <a:t>12/5/2021</a:t>
+              <a:t>12/6/2021</a:t>
             </a:fld>
             <a:endParaRPr lang="en-US"/>
           </a:p>
@@ -3047,7 +3141,7 @@
           <a:p>
             <a:fld id="{3B5E23F9-BC16-40C9-B41C-40765C692192}" type="datetimeFigureOut">
               <a:rPr lang="en-US" smtClean="0"/>
-              <a:t>12/5/2021</a:t>
+              <a:t>12/6/2021</a:t>
             </a:fld>
             <a:endParaRPr lang="en-US"/>
           </a:p>
@@ -3530,6 +3624,182 @@
 </p:sld>
 </file>
 
+<file path=ppt/slides/slide10.xml><?xml version="1.0" encoding="utf-8"?>
+<p:sld xmlns:a="http://schemas.openxmlformats.org/drawingml/2006/main" xmlns:r="http://schemas.openxmlformats.org/officeDocument/2006/relationships" xmlns:p="http://schemas.openxmlformats.org/presentationml/2006/main">
+  <p:cSld>
+    <p:spTree>
+      <p:nvGrpSpPr>
+        <p:cNvPr id="1" name=""/>
+        <p:cNvGrpSpPr/>
+        <p:nvPr/>
+      </p:nvGrpSpPr>
+      <p:grpSpPr>
+        <a:xfrm>
+          <a:off x="0" y="0"/>
+          <a:ext cx="0" cy="0"/>
+          <a:chOff x="0" y="0"/>
+          <a:chExt cx="0" cy="0"/>
+        </a:xfrm>
+      </p:grpSpPr>
+      <p:sp>
+        <p:nvSpPr>
+          <p:cNvPr id="2" name="Title 1">
+            <a:extLst>
+              <a:ext uri="{FF2B5EF4-FFF2-40B4-BE49-F238E27FC236}">
+                <a16:creationId xmlns:a16="http://schemas.microsoft.com/office/drawing/2014/main" id="{CA4E05B6-BF22-4F79-9629-BED4E4B4F54B}"/>
+              </a:ext>
+            </a:extLst>
+          </p:cNvPr>
+          <p:cNvSpPr>
+            <a:spLocks noGrp="1"/>
+          </p:cNvSpPr>
+          <p:nvPr>
+            <p:ph type="title"/>
+          </p:nvPr>
+        </p:nvSpPr>
+        <p:spPr/>
+        <p:txBody>
+          <a:bodyPr/>
+          <a:lstStyle/>
+          <a:p>
+            <a:r>
+              <a:rPr lang="en-US" dirty="0"/>
+              <a:t>We need to do our JS Bootcamp PRs</a:t>
+            </a:r>
+          </a:p>
+        </p:txBody>
+      </p:sp>
+      <p:sp>
+        <p:nvSpPr>
+          <p:cNvPr id="3" name="Content Placeholder 2">
+            <a:extLst>
+              <a:ext uri="{FF2B5EF4-FFF2-40B4-BE49-F238E27FC236}">
+                <a16:creationId xmlns:a16="http://schemas.microsoft.com/office/drawing/2014/main" id="{18668CF1-01DA-43F8-9AFB-FC86D8C5EA68}"/>
+              </a:ext>
+            </a:extLst>
+          </p:cNvPr>
+          <p:cNvSpPr>
+            <a:spLocks noGrp="1"/>
+          </p:cNvSpPr>
+          <p:nvPr>
+            <p:ph idx="1"/>
+          </p:nvPr>
+        </p:nvSpPr>
+        <p:spPr/>
+        <p:txBody>
+          <a:bodyPr/>
+          <a:lstStyle/>
+          <a:p>
+            <a:r>
+              <a:rPr lang="en-US" dirty="0"/>
+              <a:t>Right after this week’s </a:t>
+            </a:r>
+            <a:r>
+              <a:rPr lang="en-US" dirty="0" err="1"/>
+              <a:t>DocPac</a:t>
+            </a:r>
+            <a:r>
+              <a:rPr lang="en-US" dirty="0"/>
+              <a:t> review</a:t>
+            </a:r>
+          </a:p>
+        </p:txBody>
+      </p:sp>
+    </p:spTree>
+    <p:extLst>
+      <p:ext uri="{BB962C8B-B14F-4D97-AF65-F5344CB8AC3E}">
+        <p14:creationId xmlns:p14="http://schemas.microsoft.com/office/powerpoint/2010/main" val="2263376075"/>
+      </p:ext>
+    </p:extLst>
+  </p:cSld>
+  <p:clrMapOvr>
+    <a:masterClrMapping/>
+  </p:clrMapOvr>
+  <p:timing>
+    <p:tnLst>
+      <p:par>
+        <p:cTn id="1" dur="indefinite" restart="never" nodeType="tmRoot">
+          <p:childTnLst>
+            <p:seq concurrent="1" nextAc="seek">
+              <p:cTn id="2" dur="indefinite" nodeType="mainSeq">
+                <p:childTnLst>
+                  <p:par>
+                    <p:cTn id="3" fill="hold">
+                      <p:stCondLst>
+                        <p:cond delay="indefinite"/>
+                      </p:stCondLst>
+                      <p:childTnLst>
+                        <p:par>
+                          <p:cTn id="4" fill="hold">
+                            <p:stCondLst>
+                              <p:cond delay="0"/>
+                            </p:stCondLst>
+                            <p:childTnLst>
+                              <p:par>
+                                <p:cTn id="5" presetID="1" presetClass="entr" presetSubtype="0" fill="hold" grpId="0" nodeType="clickEffect">
+                                  <p:stCondLst>
+                                    <p:cond delay="0"/>
+                                  </p:stCondLst>
+                                  <p:childTnLst>
+                                    <p:set>
+                                      <p:cBhvr>
+                                        <p:cTn id="6" dur="1" fill="hold">
+                                          <p:stCondLst>
+                                            <p:cond delay="0"/>
+                                          </p:stCondLst>
+                                        </p:cTn>
+                                        <p:tgtEl>
+                                          <p:spTgt spid="3">
+                                            <p:txEl>
+                                              <p:pRg st="0" end="0"/>
+                                            </p:txEl>
+                                          </p:spTgt>
+                                        </p:tgtEl>
+                                        <p:attrNameLst>
+                                          <p:attrName>style.visibility</p:attrName>
+                                        </p:attrNameLst>
+                                      </p:cBhvr>
+                                      <p:to>
+                                        <p:strVal val="visible"/>
+                                      </p:to>
+                                    </p:set>
+                                  </p:childTnLst>
+                                </p:cTn>
+                              </p:par>
+                            </p:childTnLst>
+                          </p:cTn>
+                        </p:par>
+                      </p:childTnLst>
+                    </p:cTn>
+                  </p:par>
+                </p:childTnLst>
+              </p:cTn>
+              <p:prevCondLst>
+                <p:cond evt="onPrev" delay="0">
+                  <p:tgtEl>
+                    <p:sldTgt/>
+                  </p:tgtEl>
+                </p:cond>
+              </p:prevCondLst>
+              <p:nextCondLst>
+                <p:cond evt="onNext" delay="0">
+                  <p:tgtEl>
+                    <p:sldTgt/>
+                  </p:tgtEl>
+                </p:cond>
+              </p:nextCondLst>
+            </p:seq>
+          </p:childTnLst>
+        </p:cTn>
+      </p:par>
+    </p:tnLst>
+    <p:bldLst>
+      <p:bldP spid="3" grpId="0" build="p"/>
+    </p:bldLst>
+  </p:timing>
+</p:sld>
+</file>
+
 <file path=ppt/slides/slide2.xml><?xml version="1.0" encoding="utf-8"?>
 <p:sld xmlns:a="http://schemas.openxmlformats.org/drawingml/2006/main" xmlns:r="http://schemas.openxmlformats.org/officeDocument/2006/relationships" xmlns:p="http://schemas.openxmlformats.org/presentationml/2006/main">
   <p:cSld>
@@ -3638,6 +3908,266 @@
   <p:clrMapOvr>
     <a:masterClrMapping/>
   </p:clrMapOvr>
+  <p:timing>
+    <p:tnLst>
+      <p:par>
+        <p:cTn id="1" dur="indefinite" restart="never" nodeType="tmRoot">
+          <p:childTnLst>
+            <p:seq concurrent="1" nextAc="seek">
+              <p:cTn id="2" dur="indefinite" nodeType="mainSeq">
+                <p:childTnLst>
+                  <p:par>
+                    <p:cTn id="3" fill="hold">
+                      <p:stCondLst>
+                        <p:cond delay="indefinite"/>
+                      </p:stCondLst>
+                      <p:childTnLst>
+                        <p:par>
+                          <p:cTn id="4" fill="hold">
+                            <p:stCondLst>
+                              <p:cond delay="0"/>
+                            </p:stCondLst>
+                            <p:childTnLst>
+                              <p:par>
+                                <p:cTn id="5" presetID="1" presetClass="entr" presetSubtype="0" fill="hold" grpId="0" nodeType="clickEffect">
+                                  <p:stCondLst>
+                                    <p:cond delay="0"/>
+                                  </p:stCondLst>
+                                  <p:childTnLst>
+                                    <p:set>
+                                      <p:cBhvr>
+                                        <p:cTn id="6" dur="1" fill="hold">
+                                          <p:stCondLst>
+                                            <p:cond delay="0"/>
+                                          </p:stCondLst>
+                                        </p:cTn>
+                                        <p:tgtEl>
+                                          <p:spTgt spid="3">
+                                            <p:txEl>
+                                              <p:pRg st="0" end="0"/>
+                                            </p:txEl>
+                                          </p:spTgt>
+                                        </p:tgtEl>
+                                        <p:attrNameLst>
+                                          <p:attrName>style.visibility</p:attrName>
+                                        </p:attrNameLst>
+                                      </p:cBhvr>
+                                      <p:to>
+                                        <p:strVal val="visible"/>
+                                      </p:to>
+                                    </p:set>
+                                  </p:childTnLst>
+                                </p:cTn>
+                              </p:par>
+                            </p:childTnLst>
+                          </p:cTn>
+                        </p:par>
+                      </p:childTnLst>
+                    </p:cTn>
+                  </p:par>
+                  <p:par>
+                    <p:cTn id="7" fill="hold">
+                      <p:stCondLst>
+                        <p:cond delay="indefinite"/>
+                      </p:stCondLst>
+                      <p:childTnLst>
+                        <p:par>
+                          <p:cTn id="8" fill="hold">
+                            <p:stCondLst>
+                              <p:cond delay="0"/>
+                            </p:stCondLst>
+                            <p:childTnLst>
+                              <p:par>
+                                <p:cTn id="9" presetID="1" presetClass="entr" presetSubtype="0" fill="hold" grpId="0" nodeType="clickEffect">
+                                  <p:stCondLst>
+                                    <p:cond delay="0"/>
+                                  </p:stCondLst>
+                                  <p:childTnLst>
+                                    <p:set>
+                                      <p:cBhvr>
+                                        <p:cTn id="10" dur="1" fill="hold">
+                                          <p:stCondLst>
+                                            <p:cond delay="0"/>
+                                          </p:stCondLst>
+                                        </p:cTn>
+                                        <p:tgtEl>
+                                          <p:spTgt spid="3">
+                                            <p:txEl>
+                                              <p:pRg st="1" end="1"/>
+                                            </p:txEl>
+                                          </p:spTgt>
+                                        </p:tgtEl>
+                                        <p:attrNameLst>
+                                          <p:attrName>style.visibility</p:attrName>
+                                        </p:attrNameLst>
+                                      </p:cBhvr>
+                                      <p:to>
+                                        <p:strVal val="visible"/>
+                                      </p:to>
+                                    </p:set>
+                                  </p:childTnLst>
+                                </p:cTn>
+                              </p:par>
+                            </p:childTnLst>
+                          </p:cTn>
+                        </p:par>
+                      </p:childTnLst>
+                    </p:cTn>
+                  </p:par>
+                  <p:par>
+                    <p:cTn id="11" fill="hold">
+                      <p:stCondLst>
+                        <p:cond delay="indefinite"/>
+                      </p:stCondLst>
+                      <p:childTnLst>
+                        <p:par>
+                          <p:cTn id="12" fill="hold">
+                            <p:stCondLst>
+                              <p:cond delay="0"/>
+                            </p:stCondLst>
+                            <p:childTnLst>
+                              <p:par>
+                                <p:cTn id="13" presetID="1" presetClass="entr" presetSubtype="0" fill="hold" grpId="0" nodeType="clickEffect">
+                                  <p:stCondLst>
+                                    <p:cond delay="0"/>
+                                  </p:stCondLst>
+                                  <p:childTnLst>
+                                    <p:set>
+                                      <p:cBhvr>
+                                        <p:cTn id="14" dur="1" fill="hold">
+                                          <p:stCondLst>
+                                            <p:cond delay="0"/>
+                                          </p:stCondLst>
+                                        </p:cTn>
+                                        <p:tgtEl>
+                                          <p:spTgt spid="3">
+                                            <p:txEl>
+                                              <p:pRg st="2" end="2"/>
+                                            </p:txEl>
+                                          </p:spTgt>
+                                        </p:tgtEl>
+                                        <p:attrNameLst>
+                                          <p:attrName>style.visibility</p:attrName>
+                                        </p:attrNameLst>
+                                      </p:cBhvr>
+                                      <p:to>
+                                        <p:strVal val="visible"/>
+                                      </p:to>
+                                    </p:set>
+                                  </p:childTnLst>
+                                </p:cTn>
+                              </p:par>
+                            </p:childTnLst>
+                          </p:cTn>
+                        </p:par>
+                      </p:childTnLst>
+                    </p:cTn>
+                  </p:par>
+                  <p:par>
+                    <p:cTn id="15" fill="hold">
+                      <p:stCondLst>
+                        <p:cond delay="indefinite"/>
+                      </p:stCondLst>
+                      <p:childTnLst>
+                        <p:par>
+                          <p:cTn id="16" fill="hold">
+                            <p:stCondLst>
+                              <p:cond delay="0"/>
+                            </p:stCondLst>
+                            <p:childTnLst>
+                              <p:par>
+                                <p:cTn id="17" presetID="1" presetClass="entr" presetSubtype="0" fill="hold" grpId="0" nodeType="clickEffect">
+                                  <p:stCondLst>
+                                    <p:cond delay="0"/>
+                                  </p:stCondLst>
+                                  <p:childTnLst>
+                                    <p:set>
+                                      <p:cBhvr>
+                                        <p:cTn id="18" dur="1" fill="hold">
+                                          <p:stCondLst>
+                                            <p:cond delay="0"/>
+                                          </p:stCondLst>
+                                        </p:cTn>
+                                        <p:tgtEl>
+                                          <p:spTgt spid="3">
+                                            <p:txEl>
+                                              <p:pRg st="3" end="3"/>
+                                            </p:txEl>
+                                          </p:spTgt>
+                                        </p:tgtEl>
+                                        <p:attrNameLst>
+                                          <p:attrName>style.visibility</p:attrName>
+                                        </p:attrNameLst>
+                                      </p:cBhvr>
+                                      <p:to>
+                                        <p:strVal val="visible"/>
+                                      </p:to>
+                                    </p:set>
+                                  </p:childTnLst>
+                                </p:cTn>
+                              </p:par>
+                              <p:par>
+                                <p:cTn id="19" presetID="1" presetClass="entr" presetSubtype="0" fill="hold" grpId="0" nodeType="withEffect">
+                                  <p:stCondLst>
+                                    <p:cond delay="0"/>
+                                  </p:stCondLst>
+                                  <p:childTnLst>
+                                    <p:set>
+                                      <p:cBhvr>
+                                        <p:cTn id="20" dur="1" fill="hold">
+                                          <p:stCondLst>
+                                            <p:cond delay="0"/>
+                                          </p:stCondLst>
+                                        </p:cTn>
+                                        <p:tgtEl>
+                                          <p:spTgt spid="3">
+                                            <p:txEl>
+                                              <p:pRg st="4" end="4"/>
+                                            </p:txEl>
+                                          </p:spTgt>
+                                        </p:tgtEl>
+                                        <p:attrNameLst>
+                                          <p:attrName>style.visibility</p:attrName>
+                                        </p:attrNameLst>
+                                      </p:cBhvr>
+                                      <p:to>
+                                        <p:strVal val="visible"/>
+                                      </p:to>
+                                    </p:set>
+                                  </p:childTnLst>
+                                </p:cTn>
+                              </p:par>
+                            </p:childTnLst>
+                          </p:cTn>
+                        </p:par>
+                      </p:childTnLst>
+                    </p:cTn>
+                  </p:par>
+                </p:childTnLst>
+              </p:cTn>
+              <p:prevCondLst>
+                <p:cond evt="onPrev" delay="0">
+                  <p:tgtEl>
+                    <p:sldTgt/>
+                  </p:tgtEl>
+                </p:cond>
+              </p:prevCondLst>
+              <p:nextCondLst>
+                <p:cond evt="onNext" delay="0">
+                  <p:tgtEl>
+                    <p:sldTgt/>
+                  </p:tgtEl>
+                </p:cond>
+              </p:nextCondLst>
+            </p:seq>
+          </p:childTnLst>
+        </p:cTn>
+      </p:par>
+    </p:tnLst>
+    <p:bldLst>
+      <p:bldP spid="3" grpId="0" build="p"/>
+    </p:bldLst>
+  </p:timing>
 </p:sld>
 </file>
 
@@ -3742,6 +4272,235 @@
   <p:clrMapOvr>
     <a:masterClrMapping/>
   </p:clrMapOvr>
+  <p:timing>
+    <p:tnLst>
+      <p:par>
+        <p:cTn id="1" dur="indefinite" restart="never" nodeType="tmRoot">
+          <p:childTnLst>
+            <p:seq concurrent="1" nextAc="seek">
+              <p:cTn id="2" dur="indefinite" nodeType="mainSeq">
+                <p:childTnLst>
+                  <p:par>
+                    <p:cTn id="3" fill="hold">
+                      <p:stCondLst>
+                        <p:cond delay="indefinite"/>
+                      </p:stCondLst>
+                      <p:childTnLst>
+                        <p:par>
+                          <p:cTn id="4" fill="hold">
+                            <p:stCondLst>
+                              <p:cond delay="0"/>
+                            </p:stCondLst>
+                            <p:childTnLst>
+                              <p:par>
+                                <p:cTn id="5" presetID="1" presetClass="entr" presetSubtype="0" fill="hold" grpId="0" nodeType="clickEffect">
+                                  <p:stCondLst>
+                                    <p:cond delay="0"/>
+                                  </p:stCondLst>
+                                  <p:childTnLst>
+                                    <p:set>
+                                      <p:cBhvr>
+                                        <p:cTn id="6" dur="1" fill="hold">
+                                          <p:stCondLst>
+                                            <p:cond delay="0"/>
+                                          </p:stCondLst>
+                                        </p:cTn>
+                                        <p:tgtEl>
+                                          <p:spTgt spid="3">
+                                            <p:txEl>
+                                              <p:pRg st="0" end="0"/>
+                                            </p:txEl>
+                                          </p:spTgt>
+                                        </p:tgtEl>
+                                        <p:attrNameLst>
+                                          <p:attrName>style.visibility</p:attrName>
+                                        </p:attrNameLst>
+                                      </p:cBhvr>
+                                      <p:to>
+                                        <p:strVal val="visible"/>
+                                      </p:to>
+                                    </p:set>
+                                  </p:childTnLst>
+                                </p:cTn>
+                              </p:par>
+                            </p:childTnLst>
+                          </p:cTn>
+                        </p:par>
+                      </p:childTnLst>
+                    </p:cTn>
+                  </p:par>
+                  <p:par>
+                    <p:cTn id="7" fill="hold">
+                      <p:stCondLst>
+                        <p:cond delay="indefinite"/>
+                      </p:stCondLst>
+                      <p:childTnLst>
+                        <p:par>
+                          <p:cTn id="8" fill="hold">
+                            <p:stCondLst>
+                              <p:cond delay="0"/>
+                            </p:stCondLst>
+                            <p:childTnLst>
+                              <p:par>
+                                <p:cTn id="9" presetID="1" presetClass="entr" presetSubtype="0" fill="hold" grpId="0" nodeType="clickEffect">
+                                  <p:stCondLst>
+                                    <p:cond delay="0"/>
+                                  </p:stCondLst>
+                                  <p:childTnLst>
+                                    <p:set>
+                                      <p:cBhvr>
+                                        <p:cTn id="10" dur="1" fill="hold">
+                                          <p:stCondLst>
+                                            <p:cond delay="0"/>
+                                          </p:stCondLst>
+                                        </p:cTn>
+                                        <p:tgtEl>
+                                          <p:spTgt spid="3">
+                                            <p:txEl>
+                                              <p:pRg st="1" end="1"/>
+                                            </p:txEl>
+                                          </p:spTgt>
+                                        </p:tgtEl>
+                                        <p:attrNameLst>
+                                          <p:attrName>style.visibility</p:attrName>
+                                        </p:attrNameLst>
+                                      </p:cBhvr>
+                                      <p:to>
+                                        <p:strVal val="visible"/>
+                                      </p:to>
+                                    </p:set>
+                                  </p:childTnLst>
+                                </p:cTn>
+                              </p:par>
+                            </p:childTnLst>
+                          </p:cTn>
+                        </p:par>
+                      </p:childTnLst>
+                    </p:cTn>
+                  </p:par>
+                  <p:par>
+                    <p:cTn id="11" fill="hold">
+                      <p:stCondLst>
+                        <p:cond delay="indefinite"/>
+                      </p:stCondLst>
+                      <p:childTnLst>
+                        <p:par>
+                          <p:cTn id="12" fill="hold">
+                            <p:stCondLst>
+                              <p:cond delay="0"/>
+                            </p:stCondLst>
+                            <p:childTnLst>
+                              <p:par>
+                                <p:cTn id="13" presetID="1" presetClass="entr" presetSubtype="0" fill="hold" grpId="0" nodeType="clickEffect">
+                                  <p:stCondLst>
+                                    <p:cond delay="0"/>
+                                  </p:stCondLst>
+                                  <p:childTnLst>
+                                    <p:set>
+                                      <p:cBhvr>
+                                        <p:cTn id="14" dur="1" fill="hold">
+                                          <p:stCondLst>
+                                            <p:cond delay="0"/>
+                                          </p:stCondLst>
+                                        </p:cTn>
+                                        <p:tgtEl>
+                                          <p:spTgt spid="3">
+                                            <p:txEl>
+                                              <p:pRg st="2" end="2"/>
+                                            </p:txEl>
+                                          </p:spTgt>
+                                        </p:tgtEl>
+                                        <p:attrNameLst>
+                                          <p:attrName>style.visibility</p:attrName>
+                                        </p:attrNameLst>
+                                      </p:cBhvr>
+                                      <p:to>
+                                        <p:strVal val="visible"/>
+                                      </p:to>
+                                    </p:set>
+                                  </p:childTnLst>
+                                </p:cTn>
+                              </p:par>
+                            </p:childTnLst>
+                          </p:cTn>
+                        </p:par>
+                      </p:childTnLst>
+                    </p:cTn>
+                  </p:par>
+                  <p:par>
+                    <p:cTn id="15" fill="hold">
+                      <p:stCondLst>
+                        <p:cond delay="indefinite"/>
+                      </p:stCondLst>
+                      <p:childTnLst>
+                        <p:par>
+                          <p:cTn id="16" fill="hold">
+                            <p:stCondLst>
+                              <p:cond delay="0"/>
+                            </p:stCondLst>
+                            <p:childTnLst>
+                              <p:par>
+                                <p:cTn id="17" presetID="1" presetClass="entr" presetSubtype="0" fill="hold" grpId="0" nodeType="clickEffect">
+                                  <p:stCondLst>
+                                    <p:cond delay="0"/>
+                                  </p:stCondLst>
+                                  <p:childTnLst>
+                                    <p:set>
+                                      <p:cBhvr>
+                                        <p:cTn id="18" dur="1" fill="hold">
+                                          <p:stCondLst>
+                                            <p:cond delay="0"/>
+                                          </p:stCondLst>
+                                        </p:cTn>
+                                        <p:tgtEl>
+                                          <p:spTgt spid="3">
+                                            <p:txEl>
+                                              <p:pRg st="3" end="3"/>
+                                            </p:txEl>
+                                          </p:spTgt>
+                                        </p:tgtEl>
+                                        <p:attrNameLst>
+                                          <p:attrName>style.visibility</p:attrName>
+                                        </p:attrNameLst>
+                                      </p:cBhvr>
+                                      <p:to>
+                                        <p:strVal val="visible"/>
+                                      </p:to>
+                                    </p:set>
+                                  </p:childTnLst>
+                                </p:cTn>
+                              </p:par>
+                            </p:childTnLst>
+                          </p:cTn>
+                        </p:par>
+                      </p:childTnLst>
+                    </p:cTn>
+                  </p:par>
+                </p:childTnLst>
+              </p:cTn>
+              <p:prevCondLst>
+                <p:cond evt="onPrev" delay="0">
+                  <p:tgtEl>
+                    <p:sldTgt/>
+                  </p:tgtEl>
+                </p:cond>
+              </p:prevCondLst>
+              <p:nextCondLst>
+                <p:cond evt="onNext" delay="0">
+                  <p:tgtEl>
+                    <p:sldTgt/>
+                  </p:tgtEl>
+                </p:cond>
+              </p:nextCondLst>
+            </p:seq>
+          </p:childTnLst>
+        </p:cTn>
+      </p:par>
+    </p:tnLst>
+    <p:bldLst>
+      <p:bldP spid="3" grpId="0" build="p"/>
+    </p:bldLst>
+  </p:timing>
 </p:sld>
 </file>
 
@@ -3847,6 +4606,217 @@
   <p:clrMapOvr>
     <a:masterClrMapping/>
   </p:clrMapOvr>
+  <p:timing>
+    <p:tnLst>
+      <p:par>
+        <p:cTn id="1" dur="indefinite" restart="never" nodeType="tmRoot">
+          <p:childTnLst>
+            <p:seq concurrent="1" nextAc="seek">
+              <p:cTn id="2" dur="indefinite" nodeType="mainSeq">
+                <p:childTnLst>
+                  <p:par>
+                    <p:cTn id="3" fill="hold">
+                      <p:stCondLst>
+                        <p:cond delay="indefinite"/>
+                      </p:stCondLst>
+                      <p:childTnLst>
+                        <p:par>
+                          <p:cTn id="4" fill="hold">
+                            <p:stCondLst>
+                              <p:cond delay="0"/>
+                            </p:stCondLst>
+                            <p:childTnLst>
+                              <p:par>
+                                <p:cTn id="5" presetID="1" presetClass="entr" presetSubtype="0" fill="hold" grpId="0" nodeType="clickEffect">
+                                  <p:stCondLst>
+                                    <p:cond delay="0"/>
+                                  </p:stCondLst>
+                                  <p:childTnLst>
+                                    <p:set>
+                                      <p:cBhvr>
+                                        <p:cTn id="6" dur="1" fill="hold">
+                                          <p:stCondLst>
+                                            <p:cond delay="0"/>
+                                          </p:stCondLst>
+                                        </p:cTn>
+                                        <p:tgtEl>
+                                          <p:spTgt spid="3">
+                                            <p:txEl>
+                                              <p:pRg st="0" end="0"/>
+                                            </p:txEl>
+                                          </p:spTgt>
+                                        </p:tgtEl>
+                                        <p:attrNameLst>
+                                          <p:attrName>style.visibility</p:attrName>
+                                        </p:attrNameLst>
+                                      </p:cBhvr>
+                                      <p:to>
+                                        <p:strVal val="visible"/>
+                                      </p:to>
+                                    </p:set>
+                                  </p:childTnLst>
+                                </p:cTn>
+                              </p:par>
+                            </p:childTnLst>
+                          </p:cTn>
+                        </p:par>
+                      </p:childTnLst>
+                    </p:cTn>
+                  </p:par>
+                  <p:par>
+                    <p:cTn id="7" fill="hold">
+                      <p:stCondLst>
+                        <p:cond delay="indefinite"/>
+                      </p:stCondLst>
+                      <p:childTnLst>
+                        <p:par>
+                          <p:cTn id="8" fill="hold">
+                            <p:stCondLst>
+                              <p:cond delay="0"/>
+                            </p:stCondLst>
+                            <p:childTnLst>
+                              <p:par>
+                                <p:cTn id="9" presetID="1" presetClass="entr" presetSubtype="0" fill="hold" grpId="0" nodeType="clickEffect">
+                                  <p:stCondLst>
+                                    <p:cond delay="0"/>
+                                  </p:stCondLst>
+                                  <p:childTnLst>
+                                    <p:set>
+                                      <p:cBhvr>
+                                        <p:cTn id="10" dur="1" fill="hold">
+                                          <p:stCondLst>
+                                            <p:cond delay="0"/>
+                                          </p:stCondLst>
+                                        </p:cTn>
+                                        <p:tgtEl>
+                                          <p:spTgt spid="3">
+                                            <p:txEl>
+                                              <p:pRg st="1" end="1"/>
+                                            </p:txEl>
+                                          </p:spTgt>
+                                        </p:tgtEl>
+                                        <p:attrNameLst>
+                                          <p:attrName>style.visibility</p:attrName>
+                                        </p:attrNameLst>
+                                      </p:cBhvr>
+                                      <p:to>
+                                        <p:strVal val="visible"/>
+                                      </p:to>
+                                    </p:set>
+                                  </p:childTnLst>
+                                </p:cTn>
+                              </p:par>
+                            </p:childTnLst>
+                          </p:cTn>
+                        </p:par>
+                      </p:childTnLst>
+                    </p:cTn>
+                  </p:par>
+                  <p:par>
+                    <p:cTn id="11" fill="hold">
+                      <p:stCondLst>
+                        <p:cond delay="indefinite"/>
+                      </p:stCondLst>
+                      <p:childTnLst>
+                        <p:par>
+                          <p:cTn id="12" fill="hold">
+                            <p:stCondLst>
+                              <p:cond delay="0"/>
+                            </p:stCondLst>
+                            <p:childTnLst>
+                              <p:par>
+                                <p:cTn id="13" presetID="1" presetClass="entr" presetSubtype="0" fill="hold" grpId="0" nodeType="clickEffect">
+                                  <p:stCondLst>
+                                    <p:cond delay="0"/>
+                                  </p:stCondLst>
+                                  <p:childTnLst>
+                                    <p:set>
+                                      <p:cBhvr>
+                                        <p:cTn id="14" dur="1" fill="hold">
+                                          <p:stCondLst>
+                                            <p:cond delay="0"/>
+                                          </p:stCondLst>
+                                        </p:cTn>
+                                        <p:tgtEl>
+                                          <p:spTgt spid="3">
+                                            <p:txEl>
+                                              <p:pRg st="2" end="2"/>
+                                            </p:txEl>
+                                          </p:spTgt>
+                                        </p:tgtEl>
+                                        <p:attrNameLst>
+                                          <p:attrName>style.visibility</p:attrName>
+                                        </p:attrNameLst>
+                                      </p:cBhvr>
+                                      <p:to>
+                                        <p:strVal val="visible"/>
+                                      </p:to>
+                                    </p:set>
+                                  </p:childTnLst>
+                                </p:cTn>
+                              </p:par>
+                              <p:par>
+                                <p:cTn id="15" presetID="1" presetClass="entr" presetSubtype="0" fill="hold" grpId="0" nodeType="withEffect">
+                                  <p:stCondLst>
+                                    <p:cond delay="0"/>
+                                  </p:stCondLst>
+                                  <p:childTnLst>
+                                    <p:set>
+                                      <p:cBhvr>
+                                        <p:cTn id="16" dur="1" fill="hold">
+                                          <p:stCondLst>
+                                            <p:cond delay="0"/>
+                                          </p:stCondLst>
+                                        </p:cTn>
+                                        <p:tgtEl>
+                                          <p:spTgt spid="3">
+                                            <p:txEl>
+                                              <p:pRg st="3" end="3"/>
+                                            </p:txEl>
+                                          </p:spTgt>
+                                        </p:tgtEl>
+                                        <p:attrNameLst>
+                                          <p:attrName>style.visibility</p:attrName>
+                                        </p:attrNameLst>
+                                      </p:cBhvr>
+                                      <p:to>
+                                        <p:strVal val="visible"/>
+                                      </p:to>
+                                    </p:set>
+                                  </p:childTnLst>
+                                </p:cTn>
+                              </p:par>
+                            </p:childTnLst>
+                          </p:cTn>
+                        </p:par>
+                      </p:childTnLst>
+                    </p:cTn>
+                  </p:par>
+                </p:childTnLst>
+              </p:cTn>
+              <p:prevCondLst>
+                <p:cond evt="onPrev" delay="0">
+                  <p:tgtEl>
+                    <p:sldTgt/>
+                  </p:tgtEl>
+                </p:cond>
+              </p:prevCondLst>
+              <p:nextCondLst>
+                <p:cond evt="onNext" delay="0">
+                  <p:tgtEl>
+                    <p:sldTgt/>
+                  </p:tgtEl>
+                </p:cond>
+              </p:nextCondLst>
+            </p:seq>
+          </p:childTnLst>
+        </p:cTn>
+      </p:par>
+    </p:tnLst>
+    <p:bldLst>
+      <p:bldP spid="3" grpId="0" build="p"/>
+    </p:bldLst>
+  </p:timing>
 </p:sld>
 </file>
 
@@ -3979,6 +4949,359 @@
   <p:clrMapOvr>
     <a:masterClrMapping/>
   </p:clrMapOvr>
+  <p:timing>
+    <p:tnLst>
+      <p:par>
+        <p:cTn id="1" dur="indefinite" restart="never" nodeType="tmRoot">
+          <p:childTnLst>
+            <p:seq concurrent="1" nextAc="seek">
+              <p:cTn id="2" dur="indefinite" nodeType="mainSeq">
+                <p:childTnLst>
+                  <p:par>
+                    <p:cTn id="3" fill="hold">
+                      <p:stCondLst>
+                        <p:cond delay="indefinite"/>
+                      </p:stCondLst>
+                      <p:childTnLst>
+                        <p:par>
+                          <p:cTn id="4" fill="hold">
+                            <p:stCondLst>
+                              <p:cond delay="0"/>
+                            </p:stCondLst>
+                            <p:childTnLst>
+                              <p:par>
+                                <p:cTn id="5" presetID="1" presetClass="entr" presetSubtype="0" fill="hold" grpId="0" nodeType="clickEffect">
+                                  <p:stCondLst>
+                                    <p:cond delay="0"/>
+                                  </p:stCondLst>
+                                  <p:childTnLst>
+                                    <p:set>
+                                      <p:cBhvr>
+                                        <p:cTn id="6" dur="1" fill="hold">
+                                          <p:stCondLst>
+                                            <p:cond delay="0"/>
+                                          </p:stCondLst>
+                                        </p:cTn>
+                                        <p:tgtEl>
+                                          <p:spTgt spid="3">
+                                            <p:txEl>
+                                              <p:pRg st="0" end="0"/>
+                                            </p:txEl>
+                                          </p:spTgt>
+                                        </p:tgtEl>
+                                        <p:attrNameLst>
+                                          <p:attrName>style.visibility</p:attrName>
+                                        </p:attrNameLst>
+                                      </p:cBhvr>
+                                      <p:to>
+                                        <p:strVal val="visible"/>
+                                      </p:to>
+                                    </p:set>
+                                  </p:childTnLst>
+                                </p:cTn>
+                              </p:par>
+                            </p:childTnLst>
+                          </p:cTn>
+                        </p:par>
+                      </p:childTnLst>
+                    </p:cTn>
+                  </p:par>
+                  <p:par>
+                    <p:cTn id="7" fill="hold">
+                      <p:stCondLst>
+                        <p:cond delay="indefinite"/>
+                      </p:stCondLst>
+                      <p:childTnLst>
+                        <p:par>
+                          <p:cTn id="8" fill="hold">
+                            <p:stCondLst>
+                              <p:cond delay="0"/>
+                            </p:stCondLst>
+                            <p:childTnLst>
+                              <p:par>
+                                <p:cTn id="9" presetID="1" presetClass="entr" presetSubtype="0" fill="hold" grpId="0" nodeType="clickEffect">
+                                  <p:stCondLst>
+                                    <p:cond delay="0"/>
+                                  </p:stCondLst>
+                                  <p:childTnLst>
+                                    <p:set>
+                                      <p:cBhvr>
+                                        <p:cTn id="10" dur="1" fill="hold">
+                                          <p:stCondLst>
+                                            <p:cond delay="0"/>
+                                          </p:stCondLst>
+                                        </p:cTn>
+                                        <p:tgtEl>
+                                          <p:spTgt spid="3">
+                                            <p:txEl>
+                                              <p:pRg st="1" end="1"/>
+                                            </p:txEl>
+                                          </p:spTgt>
+                                        </p:tgtEl>
+                                        <p:attrNameLst>
+                                          <p:attrName>style.visibility</p:attrName>
+                                        </p:attrNameLst>
+                                      </p:cBhvr>
+                                      <p:to>
+                                        <p:strVal val="visible"/>
+                                      </p:to>
+                                    </p:set>
+                                  </p:childTnLst>
+                                </p:cTn>
+                              </p:par>
+                              <p:par>
+                                <p:cTn id="11" presetID="1" presetClass="entr" presetSubtype="0" fill="hold" grpId="0" nodeType="withEffect">
+                                  <p:stCondLst>
+                                    <p:cond delay="0"/>
+                                  </p:stCondLst>
+                                  <p:childTnLst>
+                                    <p:set>
+                                      <p:cBhvr>
+                                        <p:cTn id="12" dur="1" fill="hold">
+                                          <p:stCondLst>
+                                            <p:cond delay="0"/>
+                                          </p:stCondLst>
+                                        </p:cTn>
+                                        <p:tgtEl>
+                                          <p:spTgt spid="3">
+                                            <p:txEl>
+                                              <p:pRg st="2" end="2"/>
+                                            </p:txEl>
+                                          </p:spTgt>
+                                        </p:tgtEl>
+                                        <p:attrNameLst>
+                                          <p:attrName>style.visibility</p:attrName>
+                                        </p:attrNameLst>
+                                      </p:cBhvr>
+                                      <p:to>
+                                        <p:strVal val="visible"/>
+                                      </p:to>
+                                    </p:set>
+                                  </p:childTnLst>
+                                </p:cTn>
+                              </p:par>
+                            </p:childTnLst>
+                          </p:cTn>
+                        </p:par>
+                      </p:childTnLst>
+                    </p:cTn>
+                  </p:par>
+                  <p:par>
+                    <p:cTn id="13" fill="hold">
+                      <p:stCondLst>
+                        <p:cond delay="indefinite"/>
+                      </p:stCondLst>
+                      <p:childTnLst>
+                        <p:par>
+                          <p:cTn id="14" fill="hold">
+                            <p:stCondLst>
+                              <p:cond delay="0"/>
+                            </p:stCondLst>
+                            <p:childTnLst>
+                              <p:par>
+                                <p:cTn id="15" presetID="1" presetClass="entr" presetSubtype="0" fill="hold" grpId="0" nodeType="clickEffect">
+                                  <p:stCondLst>
+                                    <p:cond delay="0"/>
+                                  </p:stCondLst>
+                                  <p:childTnLst>
+                                    <p:set>
+                                      <p:cBhvr>
+                                        <p:cTn id="16" dur="1" fill="hold">
+                                          <p:stCondLst>
+                                            <p:cond delay="0"/>
+                                          </p:stCondLst>
+                                        </p:cTn>
+                                        <p:tgtEl>
+                                          <p:spTgt spid="3">
+                                            <p:txEl>
+                                              <p:pRg st="3" end="3"/>
+                                            </p:txEl>
+                                          </p:spTgt>
+                                        </p:tgtEl>
+                                        <p:attrNameLst>
+                                          <p:attrName>style.visibility</p:attrName>
+                                        </p:attrNameLst>
+                                      </p:cBhvr>
+                                      <p:to>
+                                        <p:strVal val="visible"/>
+                                      </p:to>
+                                    </p:set>
+                                  </p:childTnLst>
+                                </p:cTn>
+                              </p:par>
+                              <p:par>
+                                <p:cTn id="17" presetID="1" presetClass="entr" presetSubtype="0" fill="hold" grpId="0" nodeType="withEffect">
+                                  <p:stCondLst>
+                                    <p:cond delay="0"/>
+                                  </p:stCondLst>
+                                  <p:childTnLst>
+                                    <p:set>
+                                      <p:cBhvr>
+                                        <p:cTn id="18" dur="1" fill="hold">
+                                          <p:stCondLst>
+                                            <p:cond delay="0"/>
+                                          </p:stCondLst>
+                                        </p:cTn>
+                                        <p:tgtEl>
+                                          <p:spTgt spid="3">
+                                            <p:txEl>
+                                              <p:pRg st="4" end="4"/>
+                                            </p:txEl>
+                                          </p:spTgt>
+                                        </p:tgtEl>
+                                        <p:attrNameLst>
+                                          <p:attrName>style.visibility</p:attrName>
+                                        </p:attrNameLst>
+                                      </p:cBhvr>
+                                      <p:to>
+                                        <p:strVal val="visible"/>
+                                      </p:to>
+                                    </p:set>
+                                  </p:childTnLst>
+                                </p:cTn>
+                              </p:par>
+                              <p:par>
+                                <p:cTn id="19" presetID="1" presetClass="entr" presetSubtype="0" fill="hold" grpId="0" nodeType="withEffect">
+                                  <p:stCondLst>
+                                    <p:cond delay="0"/>
+                                  </p:stCondLst>
+                                  <p:childTnLst>
+                                    <p:set>
+                                      <p:cBhvr>
+                                        <p:cTn id="20" dur="1" fill="hold">
+                                          <p:stCondLst>
+                                            <p:cond delay="0"/>
+                                          </p:stCondLst>
+                                        </p:cTn>
+                                        <p:tgtEl>
+                                          <p:spTgt spid="3">
+                                            <p:txEl>
+                                              <p:pRg st="5" end="5"/>
+                                            </p:txEl>
+                                          </p:spTgt>
+                                        </p:tgtEl>
+                                        <p:attrNameLst>
+                                          <p:attrName>style.visibility</p:attrName>
+                                        </p:attrNameLst>
+                                      </p:cBhvr>
+                                      <p:to>
+                                        <p:strVal val="visible"/>
+                                      </p:to>
+                                    </p:set>
+                                  </p:childTnLst>
+                                </p:cTn>
+                              </p:par>
+                              <p:par>
+                                <p:cTn id="21" presetID="1" presetClass="entr" presetSubtype="0" fill="hold" grpId="0" nodeType="withEffect">
+                                  <p:stCondLst>
+                                    <p:cond delay="0"/>
+                                  </p:stCondLst>
+                                  <p:childTnLst>
+                                    <p:set>
+                                      <p:cBhvr>
+                                        <p:cTn id="22" dur="1" fill="hold">
+                                          <p:stCondLst>
+                                            <p:cond delay="0"/>
+                                          </p:stCondLst>
+                                        </p:cTn>
+                                        <p:tgtEl>
+                                          <p:spTgt spid="3">
+                                            <p:txEl>
+                                              <p:pRg st="6" end="6"/>
+                                            </p:txEl>
+                                          </p:spTgt>
+                                        </p:tgtEl>
+                                        <p:attrNameLst>
+                                          <p:attrName>style.visibility</p:attrName>
+                                        </p:attrNameLst>
+                                      </p:cBhvr>
+                                      <p:to>
+                                        <p:strVal val="visible"/>
+                                      </p:to>
+                                    </p:set>
+                                  </p:childTnLst>
+                                </p:cTn>
+                              </p:par>
+                            </p:childTnLst>
+                          </p:cTn>
+                        </p:par>
+                      </p:childTnLst>
+                    </p:cTn>
+                  </p:par>
+                  <p:par>
+                    <p:cTn id="23" fill="hold">
+                      <p:stCondLst>
+                        <p:cond delay="indefinite"/>
+                      </p:stCondLst>
+                      <p:childTnLst>
+                        <p:par>
+                          <p:cTn id="24" fill="hold">
+                            <p:stCondLst>
+                              <p:cond delay="0"/>
+                            </p:stCondLst>
+                            <p:childTnLst>
+                              <p:par>
+                                <p:cTn id="25" presetID="1" presetClass="entr" presetSubtype="0" fill="hold" grpId="0" nodeType="clickEffect">
+                                  <p:stCondLst>
+                                    <p:cond delay="0"/>
+                                  </p:stCondLst>
+                                  <p:childTnLst>
+                                    <p:set>
+                                      <p:cBhvr>
+                                        <p:cTn id="26" dur="1" fill="hold">
+                                          <p:stCondLst>
+                                            <p:cond delay="0"/>
+                                          </p:stCondLst>
+                                        </p:cTn>
+                                        <p:tgtEl>
+                                          <p:spTgt spid="3">
+                                            <p:txEl>
+                                              <p:pRg st="7" end="7"/>
+                                            </p:txEl>
+                                          </p:spTgt>
+                                        </p:tgtEl>
+                                        <p:attrNameLst>
+                                          <p:attrName>style.visibility</p:attrName>
+                                        </p:attrNameLst>
+                                      </p:cBhvr>
+                                      <p:to>
+                                        <p:strVal val="visible"/>
+                                      </p:to>
+                                    </p:set>
+                                  </p:childTnLst>
+                                </p:cTn>
+                              </p:par>
+                            </p:childTnLst>
+                          </p:cTn>
+                        </p:par>
+                      </p:childTnLst>
+                    </p:cTn>
+                  </p:par>
+                </p:childTnLst>
+              </p:cTn>
+              <p:prevCondLst>
+                <p:cond evt="onPrev" delay="0">
+                  <p:tgtEl>
+                    <p:sldTgt/>
+                  </p:tgtEl>
+                </p:cond>
+              </p:prevCondLst>
+              <p:nextCondLst>
+                <p:cond evt="onNext" delay="0">
+                  <p:tgtEl>
+                    <p:sldTgt/>
+                  </p:tgtEl>
+                </p:cond>
+              </p:nextCondLst>
+            </p:seq>
+          </p:childTnLst>
+        </p:cTn>
+      </p:par>
+    </p:tnLst>
+    <p:bldLst>
+      <p:bldP spid="3" grpId="0" build="p"/>
+    </p:bldLst>
+  </p:timing>
 </p:sld>
 </file>
 
@@ -4095,6 +5418,186 @@
   <p:clrMapOvr>
     <a:masterClrMapping/>
   </p:clrMapOvr>
+  <p:timing>
+    <p:tnLst>
+      <p:par>
+        <p:cTn id="1" dur="indefinite" restart="never" nodeType="tmRoot">
+          <p:childTnLst>
+            <p:seq concurrent="1" nextAc="seek">
+              <p:cTn id="2" dur="indefinite" nodeType="mainSeq">
+                <p:childTnLst>
+                  <p:par>
+                    <p:cTn id="3" fill="hold">
+                      <p:stCondLst>
+                        <p:cond delay="indefinite"/>
+                      </p:stCondLst>
+                      <p:childTnLst>
+                        <p:par>
+                          <p:cTn id="4" fill="hold">
+                            <p:stCondLst>
+                              <p:cond delay="0"/>
+                            </p:stCondLst>
+                            <p:childTnLst>
+                              <p:par>
+                                <p:cTn id="5" presetID="1" presetClass="entr" presetSubtype="0" fill="hold" grpId="0" nodeType="clickEffect">
+                                  <p:stCondLst>
+                                    <p:cond delay="0"/>
+                                  </p:stCondLst>
+                                  <p:childTnLst>
+                                    <p:set>
+                                      <p:cBhvr>
+                                        <p:cTn id="6" dur="1" fill="hold">
+                                          <p:stCondLst>
+                                            <p:cond delay="0"/>
+                                          </p:stCondLst>
+                                        </p:cTn>
+                                        <p:tgtEl>
+                                          <p:spTgt spid="3">
+                                            <p:txEl>
+                                              <p:pRg st="0" end="0"/>
+                                            </p:txEl>
+                                          </p:spTgt>
+                                        </p:tgtEl>
+                                        <p:attrNameLst>
+                                          <p:attrName>style.visibility</p:attrName>
+                                        </p:attrNameLst>
+                                      </p:cBhvr>
+                                      <p:to>
+                                        <p:strVal val="visible"/>
+                                      </p:to>
+                                    </p:set>
+                                  </p:childTnLst>
+                                </p:cTn>
+                              </p:par>
+                            </p:childTnLst>
+                          </p:cTn>
+                        </p:par>
+                      </p:childTnLst>
+                    </p:cTn>
+                  </p:par>
+                  <p:par>
+                    <p:cTn id="7" fill="hold">
+                      <p:stCondLst>
+                        <p:cond delay="indefinite"/>
+                      </p:stCondLst>
+                      <p:childTnLst>
+                        <p:par>
+                          <p:cTn id="8" fill="hold">
+                            <p:stCondLst>
+                              <p:cond delay="0"/>
+                            </p:stCondLst>
+                            <p:childTnLst>
+                              <p:par>
+                                <p:cTn id="9" presetID="1" presetClass="entr" presetSubtype="0" fill="hold" grpId="0" nodeType="clickEffect">
+                                  <p:stCondLst>
+                                    <p:cond delay="0"/>
+                                  </p:stCondLst>
+                                  <p:childTnLst>
+                                    <p:set>
+                                      <p:cBhvr>
+                                        <p:cTn id="10" dur="1" fill="hold">
+                                          <p:stCondLst>
+                                            <p:cond delay="0"/>
+                                          </p:stCondLst>
+                                        </p:cTn>
+                                        <p:tgtEl>
+                                          <p:spTgt spid="3">
+                                            <p:txEl>
+                                              <p:pRg st="1" end="1"/>
+                                            </p:txEl>
+                                          </p:spTgt>
+                                        </p:tgtEl>
+                                        <p:attrNameLst>
+                                          <p:attrName>style.visibility</p:attrName>
+                                        </p:attrNameLst>
+                                      </p:cBhvr>
+                                      <p:to>
+                                        <p:strVal val="visible"/>
+                                      </p:to>
+                                    </p:set>
+                                  </p:childTnLst>
+                                </p:cTn>
+                              </p:par>
+                            </p:childTnLst>
+                          </p:cTn>
+                        </p:par>
+                      </p:childTnLst>
+                    </p:cTn>
+                  </p:par>
+                  <p:par>
+                    <p:cTn id="11" fill="hold">
+                      <p:stCondLst>
+                        <p:cond delay="indefinite"/>
+                      </p:stCondLst>
+                      <p:childTnLst>
+                        <p:par>
+                          <p:cTn id="12" fill="hold">
+                            <p:stCondLst>
+                              <p:cond delay="0"/>
+                            </p:stCondLst>
+                            <p:childTnLst>
+                              <p:par>
+                                <p:cTn id="13" presetID="1" presetClass="entr" presetSubtype="0" fill="hold" grpId="0" nodeType="clickEffect">
+                                  <p:stCondLst>
+                                    <p:cond delay="0"/>
+                                  </p:stCondLst>
+                                  <p:childTnLst>
+                                    <p:set>
+                                      <p:cBhvr>
+                                        <p:cTn id="14" dur="1" fill="hold">
+                                          <p:stCondLst>
+                                            <p:cond delay="0"/>
+                                          </p:stCondLst>
+                                        </p:cTn>
+                                        <p:tgtEl>
+                                          <p:spTgt spid="3">
+                                            <p:txEl>
+                                              <p:pRg st="2" end="2"/>
+                                            </p:txEl>
+                                          </p:spTgt>
+                                        </p:tgtEl>
+                                        <p:attrNameLst>
+                                          <p:attrName>style.visibility</p:attrName>
+                                        </p:attrNameLst>
+                                      </p:cBhvr>
+                                      <p:to>
+                                        <p:strVal val="visible"/>
+                                      </p:to>
+                                    </p:set>
+                                  </p:childTnLst>
+                                </p:cTn>
+                              </p:par>
+                            </p:childTnLst>
+                          </p:cTn>
+                        </p:par>
+                      </p:childTnLst>
+                    </p:cTn>
+                  </p:par>
+                </p:childTnLst>
+              </p:cTn>
+              <p:prevCondLst>
+                <p:cond evt="onPrev" delay="0">
+                  <p:tgtEl>
+                    <p:sldTgt/>
+                  </p:tgtEl>
+                </p:cond>
+              </p:prevCondLst>
+              <p:nextCondLst>
+                <p:cond evt="onNext" delay="0">
+                  <p:tgtEl>
+                    <p:sldTgt/>
+                  </p:tgtEl>
+                </p:cond>
+              </p:nextCondLst>
+            </p:seq>
+          </p:childTnLst>
+        </p:cTn>
+      </p:par>
+    </p:tnLst>
+    <p:bldLst>
+      <p:bldP spid="3" grpId="0" build="p"/>
+    </p:bldLst>
+  </p:timing>
 </p:sld>
 </file>
 
@@ -4120,7 +5623,7 @@
           <p:cNvPr id="2" name="Title 1">
             <a:extLst>
               <a:ext uri="{FF2B5EF4-FFF2-40B4-BE49-F238E27FC236}">
-                <a16:creationId xmlns:a16="http://schemas.microsoft.com/office/drawing/2014/main" id="{A0AD3F5D-1A97-452F-98D1-78C4BCB0219F}"/>
+                <a16:creationId xmlns:a16="http://schemas.microsoft.com/office/drawing/2014/main" id="{4C168A7B-50E6-4A69-9A34-B3A24AF083D4}"/>
               </a:ext>
             </a:extLst>
           </p:cNvPr>
@@ -4138,112 +5641,90 @@
           <a:p>
             <a:r>
               <a:rPr lang="en-US" dirty="0"/>
-              <a:t>The </a:t>
+              <a:t>School Uniforms</a:t>
+            </a:r>
+          </a:p>
+        </p:txBody>
+      </p:sp>
+      <p:sp>
+        <p:nvSpPr>
+          <p:cNvPr id="3" name="Content Placeholder 2">
+            <a:extLst>
+              <a:ext uri="{FF2B5EF4-FFF2-40B4-BE49-F238E27FC236}">
+                <a16:creationId xmlns:a16="http://schemas.microsoft.com/office/drawing/2014/main" id="{5700B672-4E1E-463E-8A39-DB1DF451C3D6}"/>
+              </a:ext>
+            </a:extLst>
+          </p:cNvPr>
+          <p:cNvSpPr>
+            <a:spLocks noGrp="1"/>
+          </p:cNvSpPr>
+          <p:nvPr>
+            <p:ph idx="1"/>
+          </p:nvPr>
+        </p:nvSpPr>
+        <p:spPr/>
+        <p:txBody>
+          <a:bodyPr/>
+          <a:lstStyle/>
+          <a:p>
+            <a:r>
+              <a:rPr lang="en-US" dirty="0"/>
+              <a:t>You must have a </a:t>
             </a:r>
             <a:r>
               <a:rPr lang="en-US" dirty="0" err="1"/>
-              <a:t>Nocti</a:t>
-            </a:r>
-            <a:endParaRPr lang="en-US" dirty="0"/>
-          </a:p>
-        </p:txBody>
-      </p:sp>
-      <p:sp>
-        <p:nvSpPr>
-          <p:cNvPr id="3" name="Content Placeholder 2">
-            <a:extLst>
-              <a:ext uri="{FF2B5EF4-FFF2-40B4-BE49-F238E27FC236}">
-                <a16:creationId xmlns:a16="http://schemas.microsoft.com/office/drawing/2014/main" id="{6223BB6D-94D0-4656-B777-459FAC5B9224}"/>
-              </a:ext>
-            </a:extLst>
-          </p:cNvPr>
-          <p:cNvSpPr>
-            <a:spLocks noGrp="1"/>
-          </p:cNvSpPr>
-          <p:nvPr>
-            <p:ph idx="1"/>
-          </p:nvPr>
-        </p:nvSpPr>
-        <p:spPr/>
-        <p:txBody>
-          <a:bodyPr>
-            <a:normAutofit lnSpcReduction="10000"/>
-          </a:bodyPr>
-          <a:lstStyle/>
-          <a:p>
+              <a:t>Ytech</a:t>
+            </a:r>
             <a:r>
               <a:rPr lang="en-US" dirty="0"/>
-              <a:t>It’s been brought to my attention that some in this class have been telling people they intend to fail the </a:t>
+              <a:t> shirt on</a:t>
+            </a:r>
+          </a:p>
+          <a:p>
+            <a:r>
+              <a:rPr lang="en-US" dirty="0"/>
+              <a:t>You can have a hoody in </a:t>
+            </a:r>
+            <a:r>
+              <a:rPr lang="en-US" i="1" dirty="0"/>
+              <a:t>addition</a:t>
+            </a:r>
+            <a:r>
+              <a:rPr lang="en-US" dirty="0"/>
+              <a:t> to this</a:t>
+            </a:r>
+          </a:p>
+          <a:p>
+            <a:pPr lvl="1"/>
+            <a:r>
+              <a:rPr lang="en-US" dirty="0"/>
+              <a:t>That hoody must a </a:t>
             </a:r>
             <a:r>
               <a:rPr lang="en-US" dirty="0" err="1"/>
-              <a:t>Nocti</a:t>
+              <a:t>Ytech</a:t>
             </a:r>
             <a:r>
               <a:rPr lang="en-US" dirty="0"/>
-              <a:t> on purpose</a:t>
+              <a:t> hoody</a:t>
             </a:r>
           </a:p>
           <a:p>
             <a:r>
               <a:rPr lang="en-US" dirty="0"/>
-              <a:t>If you’re one of these people, you’re an idiot.</a:t>
+              <a:t>I don’t care how many teachers/principals you passed who said nothing</a:t>
             </a:r>
           </a:p>
           <a:p>
             <a:r>
               <a:rPr lang="en-US" dirty="0"/>
-              <a:t>The </a:t>
-            </a:r>
-            <a:r>
-              <a:rPr lang="en-US" dirty="0" err="1"/>
-              <a:t>Nocti</a:t>
-            </a:r>
+              <a:t>Either they don’t have time, or they don’t want to deal with the attitude.</a:t>
+            </a:r>
+          </a:p>
+          <a:p>
             <a:r>
               <a:rPr lang="en-US" dirty="0"/>
-              <a:t> affects the funding of this school</a:t>
-            </a:r>
-          </a:p>
-          <a:p>
-            <a:pPr lvl="1"/>
-            <a:r>
-              <a:rPr lang="en-US" dirty="0"/>
-              <a:t>Too many failures and I get fired</a:t>
-            </a:r>
-          </a:p>
-          <a:p>
-            <a:pPr lvl="1"/>
-            <a:r>
-              <a:rPr lang="en-US" dirty="0"/>
-              <a:t>Too many failures and this entire program gets shut down</a:t>
-            </a:r>
-          </a:p>
-          <a:p>
-            <a:r>
-              <a:rPr lang="en-US" dirty="0"/>
-              <a:t>Though the </a:t>
-            </a:r>
-            <a:r>
-              <a:rPr lang="en-US" dirty="0" err="1"/>
-              <a:t>Nocti</a:t>
-            </a:r>
-            <a:r>
-              <a:rPr lang="en-US" dirty="0"/>
-              <a:t> isn’t recognized in the industry, it’s a great resume piece no matter what job you are going for.</a:t>
-            </a:r>
-          </a:p>
-          <a:p>
-            <a:r>
-              <a:rPr lang="en-US" dirty="0"/>
-              <a:t>If you don’t pass your </a:t>
-            </a:r>
-            <a:r>
-              <a:rPr lang="en-US" dirty="0" err="1"/>
-              <a:t>Nocti</a:t>
-            </a:r>
-            <a:r>
-              <a:rPr lang="en-US" dirty="0"/>
-              <a:t>, there’s no incentive for me to give you good references or letters of recommendation</a:t>
+              <a:t>Neither do I. I’m just going to send you to the office.</a:t>
             </a:r>
           </a:p>
         </p:txBody>
@@ -4251,13 +5732,322 @@
     </p:spTree>
     <p:extLst>
       <p:ext uri="{BB962C8B-B14F-4D97-AF65-F5344CB8AC3E}">
-        <p14:creationId xmlns:p14="http://schemas.microsoft.com/office/powerpoint/2010/main" val="67643946"/>
+        <p14:creationId xmlns:p14="http://schemas.microsoft.com/office/powerpoint/2010/main" val="3515259207"/>
       </p:ext>
     </p:extLst>
   </p:cSld>
   <p:clrMapOvr>
     <a:masterClrMapping/>
   </p:clrMapOvr>
+  <p:timing>
+    <p:tnLst>
+      <p:par>
+        <p:cTn id="1" dur="indefinite" restart="never" nodeType="tmRoot">
+          <p:childTnLst>
+            <p:seq concurrent="1" nextAc="seek">
+              <p:cTn id="2" dur="indefinite" nodeType="mainSeq">
+                <p:childTnLst>
+                  <p:par>
+                    <p:cTn id="3" fill="hold">
+                      <p:stCondLst>
+                        <p:cond delay="indefinite"/>
+                      </p:stCondLst>
+                      <p:childTnLst>
+                        <p:par>
+                          <p:cTn id="4" fill="hold">
+                            <p:stCondLst>
+                              <p:cond delay="0"/>
+                            </p:stCondLst>
+                            <p:childTnLst>
+                              <p:par>
+                                <p:cTn id="5" presetID="1" presetClass="entr" presetSubtype="0" fill="hold" grpId="0" nodeType="clickEffect">
+                                  <p:stCondLst>
+                                    <p:cond delay="0"/>
+                                  </p:stCondLst>
+                                  <p:childTnLst>
+                                    <p:set>
+                                      <p:cBhvr>
+                                        <p:cTn id="6" dur="1" fill="hold">
+                                          <p:stCondLst>
+                                            <p:cond delay="0"/>
+                                          </p:stCondLst>
+                                        </p:cTn>
+                                        <p:tgtEl>
+                                          <p:spTgt spid="3">
+                                            <p:txEl>
+                                              <p:pRg st="0" end="0"/>
+                                            </p:txEl>
+                                          </p:spTgt>
+                                        </p:tgtEl>
+                                        <p:attrNameLst>
+                                          <p:attrName>style.visibility</p:attrName>
+                                        </p:attrNameLst>
+                                      </p:cBhvr>
+                                      <p:to>
+                                        <p:strVal val="visible"/>
+                                      </p:to>
+                                    </p:set>
+                                  </p:childTnLst>
+                                </p:cTn>
+                              </p:par>
+                            </p:childTnLst>
+                          </p:cTn>
+                        </p:par>
+                      </p:childTnLst>
+                    </p:cTn>
+                  </p:par>
+                  <p:par>
+                    <p:cTn id="7" fill="hold">
+                      <p:stCondLst>
+                        <p:cond delay="indefinite"/>
+                      </p:stCondLst>
+                      <p:childTnLst>
+                        <p:par>
+                          <p:cTn id="8" fill="hold">
+                            <p:stCondLst>
+                              <p:cond delay="0"/>
+                            </p:stCondLst>
+                            <p:childTnLst>
+                              <p:par>
+                                <p:cTn id="9" presetID="1" presetClass="entr" presetSubtype="0" fill="hold" grpId="0" nodeType="clickEffect">
+                                  <p:stCondLst>
+                                    <p:cond delay="0"/>
+                                  </p:stCondLst>
+                                  <p:childTnLst>
+                                    <p:set>
+                                      <p:cBhvr>
+                                        <p:cTn id="10" dur="1" fill="hold">
+                                          <p:stCondLst>
+                                            <p:cond delay="0"/>
+                                          </p:stCondLst>
+                                        </p:cTn>
+                                        <p:tgtEl>
+                                          <p:spTgt spid="3">
+                                            <p:txEl>
+                                              <p:pRg st="1" end="1"/>
+                                            </p:txEl>
+                                          </p:spTgt>
+                                        </p:tgtEl>
+                                        <p:attrNameLst>
+                                          <p:attrName>style.visibility</p:attrName>
+                                        </p:attrNameLst>
+                                      </p:cBhvr>
+                                      <p:to>
+                                        <p:strVal val="visible"/>
+                                      </p:to>
+                                    </p:set>
+                                  </p:childTnLst>
+                                </p:cTn>
+                              </p:par>
+                              <p:par>
+                                <p:cTn id="11" presetID="1" presetClass="entr" presetSubtype="0" fill="hold" grpId="0" nodeType="withEffect">
+                                  <p:stCondLst>
+                                    <p:cond delay="0"/>
+                                  </p:stCondLst>
+                                  <p:childTnLst>
+                                    <p:set>
+                                      <p:cBhvr>
+                                        <p:cTn id="12" dur="1" fill="hold">
+                                          <p:stCondLst>
+                                            <p:cond delay="0"/>
+                                          </p:stCondLst>
+                                        </p:cTn>
+                                        <p:tgtEl>
+                                          <p:spTgt spid="3">
+                                            <p:txEl>
+                                              <p:pRg st="2" end="2"/>
+                                            </p:txEl>
+                                          </p:spTgt>
+                                        </p:tgtEl>
+                                        <p:attrNameLst>
+                                          <p:attrName>style.visibility</p:attrName>
+                                        </p:attrNameLst>
+                                      </p:cBhvr>
+                                      <p:to>
+                                        <p:strVal val="visible"/>
+                                      </p:to>
+                                    </p:set>
+                                  </p:childTnLst>
+                                </p:cTn>
+                              </p:par>
+                            </p:childTnLst>
+                          </p:cTn>
+                        </p:par>
+                      </p:childTnLst>
+                    </p:cTn>
+                  </p:par>
+                  <p:par>
+                    <p:cTn id="13" fill="hold">
+                      <p:stCondLst>
+                        <p:cond delay="indefinite"/>
+                      </p:stCondLst>
+                      <p:childTnLst>
+                        <p:par>
+                          <p:cTn id="14" fill="hold">
+                            <p:stCondLst>
+                              <p:cond delay="0"/>
+                            </p:stCondLst>
+                            <p:childTnLst>
+                              <p:par>
+                                <p:cTn id="15" presetID="1" presetClass="entr" presetSubtype="0" fill="hold" grpId="0" nodeType="clickEffect">
+                                  <p:stCondLst>
+                                    <p:cond delay="0"/>
+                                  </p:stCondLst>
+                                  <p:childTnLst>
+                                    <p:set>
+                                      <p:cBhvr>
+                                        <p:cTn id="16" dur="1" fill="hold">
+                                          <p:stCondLst>
+                                            <p:cond delay="0"/>
+                                          </p:stCondLst>
+                                        </p:cTn>
+                                        <p:tgtEl>
+                                          <p:spTgt spid="3">
+                                            <p:txEl>
+                                              <p:pRg st="3" end="3"/>
+                                            </p:txEl>
+                                          </p:spTgt>
+                                        </p:tgtEl>
+                                        <p:attrNameLst>
+                                          <p:attrName>style.visibility</p:attrName>
+                                        </p:attrNameLst>
+                                      </p:cBhvr>
+                                      <p:to>
+                                        <p:strVal val="visible"/>
+                                      </p:to>
+                                    </p:set>
+                                  </p:childTnLst>
+                                </p:cTn>
+                              </p:par>
+                            </p:childTnLst>
+                          </p:cTn>
+                        </p:par>
+                      </p:childTnLst>
+                    </p:cTn>
+                  </p:par>
+                  <p:par>
+                    <p:cTn id="17" fill="hold">
+                      <p:stCondLst>
+                        <p:cond delay="indefinite"/>
+                      </p:stCondLst>
+                      <p:childTnLst>
+                        <p:par>
+                          <p:cTn id="18" fill="hold">
+                            <p:stCondLst>
+                              <p:cond delay="0"/>
+                            </p:stCondLst>
+                            <p:childTnLst>
+                              <p:par>
+                                <p:cTn id="19" presetID="1" presetClass="entr" presetSubtype="0" fill="hold" grpId="0" nodeType="clickEffect">
+                                  <p:stCondLst>
+                                    <p:cond delay="0"/>
+                                  </p:stCondLst>
+                                  <p:childTnLst>
+                                    <p:set>
+                                      <p:cBhvr>
+                                        <p:cTn id="20" dur="1" fill="hold">
+                                          <p:stCondLst>
+                                            <p:cond delay="0"/>
+                                          </p:stCondLst>
+                                        </p:cTn>
+                                        <p:tgtEl>
+                                          <p:spTgt spid="3">
+                                            <p:txEl>
+                                              <p:pRg st="4" end="4"/>
+                                            </p:txEl>
+                                          </p:spTgt>
+                                        </p:tgtEl>
+                                        <p:attrNameLst>
+                                          <p:attrName>style.visibility</p:attrName>
+                                        </p:attrNameLst>
+                                      </p:cBhvr>
+                                      <p:to>
+                                        <p:strVal val="visible"/>
+                                      </p:to>
+                                    </p:set>
+                                  </p:childTnLst>
+                                </p:cTn>
+                              </p:par>
+                            </p:childTnLst>
+                          </p:cTn>
+                        </p:par>
+                      </p:childTnLst>
+                    </p:cTn>
+                  </p:par>
+                  <p:par>
+                    <p:cTn id="21" fill="hold">
+                      <p:stCondLst>
+                        <p:cond delay="indefinite"/>
+                      </p:stCondLst>
+                      <p:childTnLst>
+                        <p:par>
+                          <p:cTn id="22" fill="hold">
+                            <p:stCondLst>
+                              <p:cond delay="0"/>
+                            </p:stCondLst>
+                            <p:childTnLst>
+                              <p:par>
+                                <p:cTn id="23" presetID="1" presetClass="entr" presetSubtype="0" fill="hold" grpId="0" nodeType="clickEffect">
+                                  <p:stCondLst>
+                                    <p:cond delay="0"/>
+                                  </p:stCondLst>
+                                  <p:childTnLst>
+                                    <p:set>
+                                      <p:cBhvr>
+                                        <p:cTn id="24" dur="1" fill="hold">
+                                          <p:stCondLst>
+                                            <p:cond delay="0"/>
+                                          </p:stCondLst>
+                                        </p:cTn>
+                                        <p:tgtEl>
+                                          <p:spTgt spid="3">
+                                            <p:txEl>
+                                              <p:pRg st="5" end="5"/>
+                                            </p:txEl>
+                                          </p:spTgt>
+                                        </p:tgtEl>
+                                        <p:attrNameLst>
+                                          <p:attrName>style.visibility</p:attrName>
+                                        </p:attrNameLst>
+                                      </p:cBhvr>
+                                      <p:to>
+                                        <p:strVal val="visible"/>
+                                      </p:to>
+                                    </p:set>
+                                  </p:childTnLst>
+                                </p:cTn>
+                              </p:par>
+                            </p:childTnLst>
+                          </p:cTn>
+                        </p:par>
+                      </p:childTnLst>
+                    </p:cTn>
+                  </p:par>
+                </p:childTnLst>
+              </p:cTn>
+              <p:prevCondLst>
+                <p:cond evt="onPrev" delay="0">
+                  <p:tgtEl>
+                    <p:sldTgt/>
+                  </p:tgtEl>
+                </p:cond>
+              </p:prevCondLst>
+              <p:nextCondLst>
+                <p:cond evt="onNext" delay="0">
+                  <p:tgtEl>
+                    <p:sldTgt/>
+                  </p:tgtEl>
+                </p:cond>
+              </p:nextCondLst>
+            </p:seq>
+          </p:childTnLst>
+        </p:cTn>
+      </p:par>
+    </p:tnLst>
+    <p:bldLst>
+      <p:bldP spid="3" grpId="0" build="p"/>
+    </p:bldLst>
+  </p:timing>
 </p:sld>
 </file>
 
@@ -4283,7 +6073,7 @@
           <p:cNvPr id="2" name="Title 1">
             <a:extLst>
               <a:ext uri="{FF2B5EF4-FFF2-40B4-BE49-F238E27FC236}">
-                <a16:creationId xmlns:a16="http://schemas.microsoft.com/office/drawing/2014/main" id="{84CCFF46-6AB8-49D1-BC78-3107CF95CCCD}"/>
+                <a16:creationId xmlns:a16="http://schemas.microsoft.com/office/drawing/2014/main" id="{A0AD3F5D-1A97-452F-98D1-78C4BCB0219F}"/>
               </a:ext>
             </a:extLst>
           </p:cNvPr>
@@ -4307,33 +6097,52 @@
               <a:rPr lang="en-US" dirty="0" err="1"/>
               <a:t>Nocti</a:t>
             </a:r>
+            <a:endParaRPr lang="en-US" dirty="0"/>
+          </a:p>
+        </p:txBody>
+      </p:sp>
+      <p:sp>
+        <p:nvSpPr>
+          <p:cNvPr id="3" name="Content Placeholder 2">
+            <a:extLst>
+              <a:ext uri="{FF2B5EF4-FFF2-40B4-BE49-F238E27FC236}">
+                <a16:creationId xmlns:a16="http://schemas.microsoft.com/office/drawing/2014/main" id="{6223BB6D-94D0-4656-B777-459FAC5B9224}"/>
+              </a:ext>
+            </a:extLst>
+          </p:cNvPr>
+          <p:cNvSpPr>
+            <a:spLocks noGrp="1"/>
+          </p:cNvSpPr>
+          <p:nvPr>
+            <p:ph idx="1"/>
+          </p:nvPr>
+        </p:nvSpPr>
+        <p:spPr/>
+        <p:txBody>
+          <a:bodyPr>
+            <a:normAutofit lnSpcReduction="10000"/>
+          </a:bodyPr>
+          <a:lstStyle/>
+          <a:p>
             <a:r>
               <a:rPr lang="en-US" dirty="0"/>
-              <a:t>, cont’d</a:t>
-            </a:r>
-          </a:p>
-        </p:txBody>
-      </p:sp>
-      <p:sp>
-        <p:nvSpPr>
-          <p:cNvPr id="3" name="Content Placeholder 2">
-            <a:extLst>
-              <a:ext uri="{FF2B5EF4-FFF2-40B4-BE49-F238E27FC236}">
-                <a16:creationId xmlns:a16="http://schemas.microsoft.com/office/drawing/2014/main" id="{3AE2E2E5-21E9-4BA2-BC3E-57094B91BB5F}"/>
-              </a:ext>
-            </a:extLst>
-          </p:cNvPr>
-          <p:cNvSpPr>
-            <a:spLocks noGrp="1"/>
-          </p:cNvSpPr>
-          <p:nvPr>
-            <p:ph idx="1"/>
-          </p:nvPr>
-        </p:nvSpPr>
-        <p:spPr/>
-        <p:txBody>
-          <a:bodyPr/>
-          <a:lstStyle/>
+              <a:t>It’s been brought to my attention that some in this class have been telling people they intend to fail the </a:t>
+            </a:r>
+            <a:r>
+              <a:rPr lang="en-US" dirty="0" err="1"/>
+              <a:t>Nocti</a:t>
+            </a:r>
+            <a:r>
+              <a:rPr lang="en-US" dirty="0"/>
+              <a:t> on purpose</a:t>
+            </a:r>
+          </a:p>
+          <a:p>
+            <a:r>
+              <a:rPr lang="en-US" dirty="0"/>
+              <a:t>If you’re one of these people, you’re an idiot.</a:t>
+            </a:r>
+          </a:p>
           <a:p>
             <a:r>
               <a:rPr lang="en-US" dirty="0"/>
@@ -4345,51 +6154,41 @@
             </a:r>
             <a:r>
               <a:rPr lang="en-US" dirty="0"/>
-              <a:t> is scored by “failing”, “basic”, and “advanced”</a:t>
-            </a:r>
-          </a:p>
-          <a:p>
+              <a:t> affects the funding of this school</a:t>
+            </a:r>
+          </a:p>
+          <a:p>
+            <a:pPr lvl="1"/>
             <a:r>
               <a:rPr lang="en-US" dirty="0"/>
-              <a:t>Only one person failed the pre-</a:t>
+              <a:t>Too many failures and I get fired</a:t>
+            </a:r>
+          </a:p>
+          <a:p>
+            <a:pPr lvl="1"/>
+            <a:r>
+              <a:rPr lang="en-US" dirty="0"/>
+              <a:t>Too many failures and this entire program gets shut down</a:t>
+            </a:r>
+          </a:p>
+          <a:p>
+            <a:r>
+              <a:rPr lang="en-US" dirty="0"/>
+              <a:t>Though the </a:t>
             </a:r>
             <a:r>
               <a:rPr lang="en-US" dirty="0" err="1"/>
               <a:t>Nocti</a:t>
             </a:r>
-            <a:endParaRPr lang="en-US" dirty="0"/>
-          </a:p>
-          <a:p>
-            <a:pPr lvl="1"/>
             <a:r>
               <a:rPr lang="en-US" dirty="0"/>
-              <a:t>They’ve missed almost half of all class time</a:t>
-            </a:r>
-          </a:p>
-          <a:p>
-            <a:pPr lvl="1"/>
+              <a:t> isn’t recognized in the industry, it’s a great resume piece no matter what job you are going for.</a:t>
+            </a:r>
+          </a:p>
+          <a:p>
             <a:r>
               <a:rPr lang="en-US" dirty="0"/>
-              <a:t>They only failed by 0.5%</a:t>
-            </a:r>
-          </a:p>
-          <a:p>
-            <a:r>
-              <a:rPr lang="en-US" dirty="0"/>
-              <a:t>Because “failing” is a 41%</a:t>
-            </a:r>
-          </a:p>
-          <a:p>
-            <a:r>
-              <a:rPr lang="en-US" dirty="0"/>
-              <a:t>When I give you an opportunity, I want you to “knock it out of the park”.</a:t>
-            </a:r>
-          </a:p>
-          <a:p>
-            <a:pPr lvl="1"/>
-            <a:r>
-              <a:rPr lang="en-US" dirty="0"/>
-              <a:t>I expect 110% at all times. Make </a:t>
+              <a:t>If you don’t pass your </a:t>
             </a:r>
             <a:r>
               <a:rPr lang="en-US" dirty="0" err="1"/>
@@ -4397,7 +6196,7 @@
             </a:r>
             <a:r>
               <a:rPr lang="en-US" dirty="0"/>
-              <a:t> embarrassed by how low their expectations are.</a:t>
+              <a:t>, there’s no incentive for me to give you good references or letters of recommendation</a:t>
             </a:r>
           </a:p>
         </p:txBody>
@@ -4405,13 +6204,353 @@
     </p:spTree>
     <p:extLst>
       <p:ext uri="{BB962C8B-B14F-4D97-AF65-F5344CB8AC3E}">
-        <p14:creationId xmlns:p14="http://schemas.microsoft.com/office/powerpoint/2010/main" val="1845023030"/>
+        <p14:creationId xmlns:p14="http://schemas.microsoft.com/office/powerpoint/2010/main" val="67643946"/>
       </p:ext>
     </p:extLst>
   </p:cSld>
   <p:clrMapOvr>
     <a:masterClrMapping/>
   </p:clrMapOvr>
+  <p:timing>
+    <p:tnLst>
+      <p:par>
+        <p:cTn id="1" dur="indefinite" restart="never" nodeType="tmRoot">
+          <p:childTnLst>
+            <p:seq concurrent="1" nextAc="seek">
+              <p:cTn id="2" dur="indefinite" nodeType="mainSeq">
+                <p:childTnLst>
+                  <p:par>
+                    <p:cTn id="3" fill="hold">
+                      <p:stCondLst>
+                        <p:cond delay="indefinite"/>
+                      </p:stCondLst>
+                      <p:childTnLst>
+                        <p:par>
+                          <p:cTn id="4" fill="hold">
+                            <p:stCondLst>
+                              <p:cond delay="0"/>
+                            </p:stCondLst>
+                            <p:childTnLst>
+                              <p:par>
+                                <p:cTn id="5" presetID="1" presetClass="entr" presetSubtype="0" fill="hold" grpId="0" nodeType="clickEffect">
+                                  <p:stCondLst>
+                                    <p:cond delay="0"/>
+                                  </p:stCondLst>
+                                  <p:childTnLst>
+                                    <p:set>
+                                      <p:cBhvr>
+                                        <p:cTn id="6" dur="1" fill="hold">
+                                          <p:stCondLst>
+                                            <p:cond delay="0"/>
+                                          </p:stCondLst>
+                                        </p:cTn>
+                                        <p:tgtEl>
+                                          <p:spTgt spid="3">
+                                            <p:txEl>
+                                              <p:pRg st="0" end="0"/>
+                                            </p:txEl>
+                                          </p:spTgt>
+                                        </p:tgtEl>
+                                        <p:attrNameLst>
+                                          <p:attrName>style.visibility</p:attrName>
+                                        </p:attrNameLst>
+                                      </p:cBhvr>
+                                      <p:to>
+                                        <p:strVal val="visible"/>
+                                      </p:to>
+                                    </p:set>
+                                  </p:childTnLst>
+                                </p:cTn>
+                              </p:par>
+                            </p:childTnLst>
+                          </p:cTn>
+                        </p:par>
+                      </p:childTnLst>
+                    </p:cTn>
+                  </p:par>
+                  <p:par>
+                    <p:cTn id="7" fill="hold">
+                      <p:stCondLst>
+                        <p:cond delay="indefinite"/>
+                      </p:stCondLst>
+                      <p:childTnLst>
+                        <p:par>
+                          <p:cTn id="8" fill="hold">
+                            <p:stCondLst>
+                              <p:cond delay="0"/>
+                            </p:stCondLst>
+                            <p:childTnLst>
+                              <p:par>
+                                <p:cTn id="9" presetID="1" presetClass="entr" presetSubtype="0" fill="hold" grpId="0" nodeType="clickEffect">
+                                  <p:stCondLst>
+                                    <p:cond delay="0"/>
+                                  </p:stCondLst>
+                                  <p:childTnLst>
+                                    <p:set>
+                                      <p:cBhvr>
+                                        <p:cTn id="10" dur="1" fill="hold">
+                                          <p:stCondLst>
+                                            <p:cond delay="0"/>
+                                          </p:stCondLst>
+                                        </p:cTn>
+                                        <p:tgtEl>
+                                          <p:spTgt spid="3">
+                                            <p:txEl>
+                                              <p:pRg st="1" end="1"/>
+                                            </p:txEl>
+                                          </p:spTgt>
+                                        </p:tgtEl>
+                                        <p:attrNameLst>
+                                          <p:attrName>style.visibility</p:attrName>
+                                        </p:attrNameLst>
+                                      </p:cBhvr>
+                                      <p:to>
+                                        <p:strVal val="visible"/>
+                                      </p:to>
+                                    </p:set>
+                                  </p:childTnLst>
+                                </p:cTn>
+                              </p:par>
+                            </p:childTnLst>
+                          </p:cTn>
+                        </p:par>
+                      </p:childTnLst>
+                    </p:cTn>
+                  </p:par>
+                  <p:par>
+                    <p:cTn id="11" fill="hold">
+                      <p:stCondLst>
+                        <p:cond delay="indefinite"/>
+                      </p:stCondLst>
+                      <p:childTnLst>
+                        <p:par>
+                          <p:cTn id="12" fill="hold">
+                            <p:stCondLst>
+                              <p:cond delay="0"/>
+                            </p:stCondLst>
+                            <p:childTnLst>
+                              <p:par>
+                                <p:cTn id="13" presetID="1" presetClass="entr" presetSubtype="0" fill="hold" grpId="0" nodeType="clickEffect">
+                                  <p:stCondLst>
+                                    <p:cond delay="0"/>
+                                  </p:stCondLst>
+                                  <p:childTnLst>
+                                    <p:set>
+                                      <p:cBhvr>
+                                        <p:cTn id="14" dur="1" fill="hold">
+                                          <p:stCondLst>
+                                            <p:cond delay="0"/>
+                                          </p:stCondLst>
+                                        </p:cTn>
+                                        <p:tgtEl>
+                                          <p:spTgt spid="3">
+                                            <p:txEl>
+                                              <p:pRg st="2" end="2"/>
+                                            </p:txEl>
+                                          </p:spTgt>
+                                        </p:tgtEl>
+                                        <p:attrNameLst>
+                                          <p:attrName>style.visibility</p:attrName>
+                                        </p:attrNameLst>
+                                      </p:cBhvr>
+                                      <p:to>
+                                        <p:strVal val="visible"/>
+                                      </p:to>
+                                    </p:set>
+                                  </p:childTnLst>
+                                </p:cTn>
+                              </p:par>
+                              <p:par>
+                                <p:cTn id="15" presetID="1" presetClass="entr" presetSubtype="0" fill="hold" grpId="0" nodeType="withEffect">
+                                  <p:stCondLst>
+                                    <p:cond delay="0"/>
+                                  </p:stCondLst>
+                                  <p:childTnLst>
+                                    <p:set>
+                                      <p:cBhvr>
+                                        <p:cTn id="16" dur="1" fill="hold">
+                                          <p:stCondLst>
+                                            <p:cond delay="0"/>
+                                          </p:stCondLst>
+                                        </p:cTn>
+                                        <p:tgtEl>
+                                          <p:spTgt spid="3">
+                                            <p:txEl>
+                                              <p:pRg st="3" end="3"/>
+                                            </p:txEl>
+                                          </p:spTgt>
+                                        </p:tgtEl>
+                                        <p:attrNameLst>
+                                          <p:attrName>style.visibility</p:attrName>
+                                        </p:attrNameLst>
+                                      </p:cBhvr>
+                                      <p:to>
+                                        <p:strVal val="visible"/>
+                                      </p:to>
+                                    </p:set>
+                                  </p:childTnLst>
+                                </p:cTn>
+                              </p:par>
+                              <p:par>
+                                <p:cTn id="17" presetID="1" presetClass="entr" presetSubtype="0" fill="hold" grpId="0" nodeType="withEffect">
+                                  <p:stCondLst>
+                                    <p:cond delay="0"/>
+                                  </p:stCondLst>
+                                  <p:childTnLst>
+                                    <p:set>
+                                      <p:cBhvr>
+                                        <p:cTn id="18" dur="1" fill="hold">
+                                          <p:stCondLst>
+                                            <p:cond delay="0"/>
+                                          </p:stCondLst>
+                                        </p:cTn>
+                                        <p:tgtEl>
+                                          <p:spTgt spid="3">
+                                            <p:txEl>
+                                              <p:pRg st="4" end="4"/>
+                                            </p:txEl>
+                                          </p:spTgt>
+                                        </p:tgtEl>
+                                        <p:attrNameLst>
+                                          <p:attrName>style.visibility</p:attrName>
+                                        </p:attrNameLst>
+                                      </p:cBhvr>
+                                      <p:to>
+                                        <p:strVal val="visible"/>
+                                      </p:to>
+                                    </p:set>
+                                  </p:childTnLst>
+                                </p:cTn>
+                              </p:par>
+                            </p:childTnLst>
+                          </p:cTn>
+                        </p:par>
+                      </p:childTnLst>
+                    </p:cTn>
+                  </p:par>
+                  <p:par>
+                    <p:cTn id="19" fill="hold">
+                      <p:stCondLst>
+                        <p:cond delay="indefinite"/>
+                      </p:stCondLst>
+                      <p:childTnLst>
+                        <p:par>
+                          <p:cTn id="20" fill="hold">
+                            <p:stCondLst>
+                              <p:cond delay="0"/>
+                            </p:stCondLst>
+                            <p:childTnLst>
+                              <p:par>
+                                <p:cTn id="21" presetID="1" presetClass="entr" presetSubtype="0" fill="hold" grpId="0" nodeType="clickEffect">
+                                  <p:stCondLst>
+                                    <p:cond delay="0"/>
+                                  </p:stCondLst>
+                                  <p:childTnLst>
+                                    <p:set>
+                                      <p:cBhvr>
+                                        <p:cTn id="22" dur="1" fill="hold">
+                                          <p:stCondLst>
+                                            <p:cond delay="0"/>
+                                          </p:stCondLst>
+                                        </p:cTn>
+                                        <p:tgtEl>
+                                          <p:spTgt spid="3">
+                                            <p:txEl>
+                                              <p:pRg st="5" end="5"/>
+                                            </p:txEl>
+                                          </p:spTgt>
+                                        </p:tgtEl>
+                                        <p:attrNameLst>
+                                          <p:attrName>style.visibility</p:attrName>
+                                        </p:attrNameLst>
+                                      </p:cBhvr>
+                                      <p:to>
+                                        <p:strVal val="visible"/>
+                                      </p:to>
+                                    </p:set>
+                                  </p:childTnLst>
+                                </p:cTn>
+                              </p:par>
+                            </p:childTnLst>
+                          </p:cTn>
+                        </p:par>
+                      </p:childTnLst>
+                    </p:cTn>
+                  </p:par>
+                  <p:par>
+                    <p:cTn id="23" fill="hold">
+                      <p:stCondLst>
+                        <p:cond delay="indefinite"/>
+                      </p:stCondLst>
+                      <p:childTnLst>
+                        <p:par>
+                          <p:cTn id="24" fill="hold">
+                            <p:stCondLst>
+                              <p:cond delay="0"/>
+                            </p:stCondLst>
+                            <p:childTnLst>
+                              <p:par>
+                                <p:cTn id="25" presetID="1" presetClass="entr" presetSubtype="0" fill="hold" grpId="0" nodeType="clickEffect">
+                                  <p:stCondLst>
+                                    <p:cond delay="0"/>
+                                  </p:stCondLst>
+                                  <p:childTnLst>
+                                    <p:set>
+                                      <p:cBhvr>
+                                        <p:cTn id="26" dur="1" fill="hold">
+                                          <p:stCondLst>
+                                            <p:cond delay="0"/>
+                                          </p:stCondLst>
+                                        </p:cTn>
+                                        <p:tgtEl>
+                                          <p:spTgt spid="3">
+                                            <p:txEl>
+                                              <p:pRg st="6" end="6"/>
+                                            </p:txEl>
+                                          </p:spTgt>
+                                        </p:tgtEl>
+                                        <p:attrNameLst>
+                                          <p:attrName>style.visibility</p:attrName>
+                                        </p:attrNameLst>
+                                      </p:cBhvr>
+                                      <p:to>
+                                        <p:strVal val="visible"/>
+                                      </p:to>
+                                    </p:set>
+                                  </p:childTnLst>
+                                </p:cTn>
+                              </p:par>
+                            </p:childTnLst>
+                          </p:cTn>
+                        </p:par>
+                      </p:childTnLst>
+                    </p:cTn>
+                  </p:par>
+                </p:childTnLst>
+              </p:cTn>
+              <p:prevCondLst>
+                <p:cond evt="onPrev" delay="0">
+                  <p:tgtEl>
+                    <p:sldTgt/>
+                  </p:tgtEl>
+                </p:cond>
+              </p:prevCondLst>
+              <p:nextCondLst>
+                <p:cond evt="onNext" delay="0">
+                  <p:tgtEl>
+                    <p:sldTgt/>
+                  </p:tgtEl>
+                </p:cond>
+              </p:nextCondLst>
+            </p:seq>
+          </p:childTnLst>
+        </p:cTn>
+      </p:par>
+    </p:tnLst>
+    <p:bldLst>
+      <p:bldP spid="3" grpId="0" build="p"/>
+    </p:bldLst>
+  </p:timing>
 </p:sld>
 </file>
 
@@ -4437,7 +6576,7 @@
           <p:cNvPr id="2" name="Title 1">
             <a:extLst>
               <a:ext uri="{FF2B5EF4-FFF2-40B4-BE49-F238E27FC236}">
-                <a16:creationId xmlns:a16="http://schemas.microsoft.com/office/drawing/2014/main" id="{CA4E05B6-BF22-4F79-9629-BED4E4B4F54B}"/>
+                <a16:creationId xmlns:a16="http://schemas.microsoft.com/office/drawing/2014/main" id="{84CCFF46-6AB8-49D1-BC78-3107CF95CCCD}"/>
               </a:ext>
             </a:extLst>
           </p:cNvPr>
@@ -4455,7 +6594,15 @@
           <a:p>
             <a:r>
               <a:rPr lang="en-US" dirty="0"/>
-              <a:t>We need to do our JS Bootcamp PRs</a:t>
+              <a:t>The </a:t>
+            </a:r>
+            <a:r>
+              <a:rPr lang="en-US" dirty="0" err="1"/>
+              <a:t>Nocti</a:t>
+            </a:r>
+            <a:r>
+              <a:rPr lang="en-US" dirty="0"/>
+              <a:t>, cont’d</a:t>
             </a:r>
           </a:p>
         </p:txBody>
@@ -4465,7 +6612,7 @@
           <p:cNvPr id="3" name="Content Placeholder 2">
             <a:extLst>
               <a:ext uri="{FF2B5EF4-FFF2-40B4-BE49-F238E27FC236}">
-                <a16:creationId xmlns:a16="http://schemas.microsoft.com/office/drawing/2014/main" id="{18668CF1-01DA-43F8-9AFB-FC86D8C5EA68}"/>
+                <a16:creationId xmlns:a16="http://schemas.microsoft.com/office/drawing/2014/main" id="{3AE2E2E5-21E9-4BA2-BC3E-57094B91BB5F}"/>
               </a:ext>
             </a:extLst>
           </p:cNvPr>
@@ -4483,26 +6630,403 @@
           <a:p>
             <a:r>
               <a:rPr lang="en-US" dirty="0"/>
-              <a:t>Right after this </a:t>
-            </a:r>
-            <a:r>
-              <a:rPr lang="en-US"/>
-              <a:t>week’s DocPac review</a:t>
+              <a:t>The </a:t>
+            </a:r>
+            <a:r>
+              <a:rPr lang="en-US" dirty="0" err="1"/>
+              <a:t>Nocti</a:t>
+            </a:r>
+            <a:r>
+              <a:rPr lang="en-US" dirty="0"/>
+              <a:t> is scored by “failing”, “basic”, and “advanced”</a:t>
+            </a:r>
+          </a:p>
+          <a:p>
+            <a:r>
+              <a:rPr lang="en-US" dirty="0"/>
+              <a:t>Only one person failed the pre-</a:t>
+            </a:r>
+            <a:r>
+              <a:rPr lang="en-US" dirty="0" err="1"/>
+              <a:t>Nocti</a:t>
             </a:r>
             <a:endParaRPr lang="en-US" dirty="0"/>
+          </a:p>
+          <a:p>
+            <a:pPr lvl="1"/>
+            <a:r>
+              <a:rPr lang="en-US" dirty="0"/>
+              <a:t>They’ve missed almost half of all class time</a:t>
+            </a:r>
+          </a:p>
+          <a:p>
+            <a:pPr lvl="1"/>
+            <a:r>
+              <a:rPr lang="en-US" dirty="0"/>
+              <a:t>They only failed by 0.5%</a:t>
+            </a:r>
+          </a:p>
+          <a:p>
+            <a:r>
+              <a:rPr lang="en-US" dirty="0"/>
+              <a:t>Because “failing” is a 41%</a:t>
+            </a:r>
+          </a:p>
+          <a:p>
+            <a:r>
+              <a:rPr lang="en-US" dirty="0"/>
+              <a:t>When I give you an opportunity, I want you to “knock it out of the park”.</a:t>
+            </a:r>
+          </a:p>
+          <a:p>
+            <a:pPr lvl="1"/>
+            <a:r>
+              <a:rPr lang="en-US" dirty="0"/>
+              <a:t>I expect 110% at all times. Make </a:t>
+            </a:r>
+            <a:r>
+              <a:rPr lang="en-US" dirty="0" err="1"/>
+              <a:t>Nocti</a:t>
+            </a:r>
+            <a:r>
+              <a:rPr lang="en-US" dirty="0"/>
+              <a:t> embarrassed by how low their expectations are.</a:t>
+            </a:r>
           </a:p>
         </p:txBody>
       </p:sp>
     </p:spTree>
     <p:extLst>
       <p:ext uri="{BB962C8B-B14F-4D97-AF65-F5344CB8AC3E}">
-        <p14:creationId xmlns:p14="http://schemas.microsoft.com/office/powerpoint/2010/main" val="2263376075"/>
+        <p14:creationId xmlns:p14="http://schemas.microsoft.com/office/powerpoint/2010/main" val="1845023030"/>
       </p:ext>
     </p:extLst>
   </p:cSld>
   <p:clrMapOvr>
     <a:masterClrMapping/>
   </p:clrMapOvr>
+  <p:timing>
+    <p:tnLst>
+      <p:par>
+        <p:cTn id="1" dur="indefinite" restart="never" nodeType="tmRoot">
+          <p:childTnLst>
+            <p:seq concurrent="1" nextAc="seek">
+              <p:cTn id="2" dur="indefinite" nodeType="mainSeq">
+                <p:childTnLst>
+                  <p:par>
+                    <p:cTn id="3" fill="hold">
+                      <p:stCondLst>
+                        <p:cond delay="indefinite"/>
+                      </p:stCondLst>
+                      <p:childTnLst>
+                        <p:par>
+                          <p:cTn id="4" fill="hold">
+                            <p:stCondLst>
+                              <p:cond delay="0"/>
+                            </p:stCondLst>
+                            <p:childTnLst>
+                              <p:par>
+                                <p:cTn id="5" presetID="1" presetClass="entr" presetSubtype="0" fill="hold" grpId="0" nodeType="clickEffect">
+                                  <p:stCondLst>
+                                    <p:cond delay="0"/>
+                                  </p:stCondLst>
+                                  <p:childTnLst>
+                                    <p:set>
+                                      <p:cBhvr>
+                                        <p:cTn id="6" dur="1" fill="hold">
+                                          <p:stCondLst>
+                                            <p:cond delay="0"/>
+                                          </p:stCondLst>
+                                        </p:cTn>
+                                        <p:tgtEl>
+                                          <p:spTgt spid="3">
+                                            <p:txEl>
+                                              <p:pRg st="0" end="0"/>
+                                            </p:txEl>
+                                          </p:spTgt>
+                                        </p:tgtEl>
+                                        <p:attrNameLst>
+                                          <p:attrName>style.visibility</p:attrName>
+                                        </p:attrNameLst>
+                                      </p:cBhvr>
+                                      <p:to>
+                                        <p:strVal val="visible"/>
+                                      </p:to>
+                                    </p:set>
+                                  </p:childTnLst>
+                                </p:cTn>
+                              </p:par>
+                            </p:childTnLst>
+                          </p:cTn>
+                        </p:par>
+                      </p:childTnLst>
+                    </p:cTn>
+                  </p:par>
+                  <p:par>
+                    <p:cTn id="7" fill="hold">
+                      <p:stCondLst>
+                        <p:cond delay="indefinite"/>
+                      </p:stCondLst>
+                      <p:childTnLst>
+                        <p:par>
+                          <p:cTn id="8" fill="hold">
+                            <p:stCondLst>
+                              <p:cond delay="0"/>
+                            </p:stCondLst>
+                            <p:childTnLst>
+                              <p:par>
+                                <p:cTn id="9" presetID="1" presetClass="entr" presetSubtype="0" fill="hold" grpId="0" nodeType="clickEffect">
+                                  <p:stCondLst>
+                                    <p:cond delay="0"/>
+                                  </p:stCondLst>
+                                  <p:childTnLst>
+                                    <p:set>
+                                      <p:cBhvr>
+                                        <p:cTn id="10" dur="1" fill="hold">
+                                          <p:stCondLst>
+                                            <p:cond delay="0"/>
+                                          </p:stCondLst>
+                                        </p:cTn>
+                                        <p:tgtEl>
+                                          <p:spTgt spid="3">
+                                            <p:txEl>
+                                              <p:pRg st="1" end="1"/>
+                                            </p:txEl>
+                                          </p:spTgt>
+                                        </p:tgtEl>
+                                        <p:attrNameLst>
+                                          <p:attrName>style.visibility</p:attrName>
+                                        </p:attrNameLst>
+                                      </p:cBhvr>
+                                      <p:to>
+                                        <p:strVal val="visible"/>
+                                      </p:to>
+                                    </p:set>
+                                  </p:childTnLst>
+                                </p:cTn>
+                              </p:par>
+                              <p:par>
+                                <p:cTn id="11" presetID="1" presetClass="entr" presetSubtype="0" fill="hold" grpId="0" nodeType="withEffect">
+                                  <p:stCondLst>
+                                    <p:cond delay="0"/>
+                                  </p:stCondLst>
+                                  <p:childTnLst>
+                                    <p:set>
+                                      <p:cBhvr>
+                                        <p:cTn id="12" dur="1" fill="hold">
+                                          <p:stCondLst>
+                                            <p:cond delay="0"/>
+                                          </p:stCondLst>
+                                        </p:cTn>
+                                        <p:tgtEl>
+                                          <p:spTgt spid="3">
+                                            <p:txEl>
+                                              <p:pRg st="2" end="2"/>
+                                            </p:txEl>
+                                          </p:spTgt>
+                                        </p:tgtEl>
+                                        <p:attrNameLst>
+                                          <p:attrName>style.visibility</p:attrName>
+                                        </p:attrNameLst>
+                                      </p:cBhvr>
+                                      <p:to>
+                                        <p:strVal val="visible"/>
+                                      </p:to>
+                                    </p:set>
+                                  </p:childTnLst>
+                                </p:cTn>
+                              </p:par>
+                              <p:par>
+                                <p:cTn id="13" presetID="1" presetClass="entr" presetSubtype="0" fill="hold" grpId="0" nodeType="withEffect">
+                                  <p:stCondLst>
+                                    <p:cond delay="0"/>
+                                  </p:stCondLst>
+                                  <p:childTnLst>
+                                    <p:set>
+                                      <p:cBhvr>
+                                        <p:cTn id="14" dur="1" fill="hold">
+                                          <p:stCondLst>
+                                            <p:cond delay="0"/>
+                                          </p:stCondLst>
+                                        </p:cTn>
+                                        <p:tgtEl>
+                                          <p:spTgt spid="3">
+                                            <p:txEl>
+                                              <p:pRg st="3" end="3"/>
+                                            </p:txEl>
+                                          </p:spTgt>
+                                        </p:tgtEl>
+                                        <p:attrNameLst>
+                                          <p:attrName>style.visibility</p:attrName>
+                                        </p:attrNameLst>
+                                      </p:cBhvr>
+                                      <p:to>
+                                        <p:strVal val="visible"/>
+                                      </p:to>
+                                    </p:set>
+                                  </p:childTnLst>
+                                </p:cTn>
+                              </p:par>
+                            </p:childTnLst>
+                          </p:cTn>
+                        </p:par>
+                      </p:childTnLst>
+                    </p:cTn>
+                  </p:par>
+                  <p:par>
+                    <p:cTn id="15" fill="hold">
+                      <p:stCondLst>
+                        <p:cond delay="indefinite"/>
+                      </p:stCondLst>
+                      <p:childTnLst>
+                        <p:par>
+                          <p:cTn id="16" fill="hold">
+                            <p:stCondLst>
+                              <p:cond delay="0"/>
+                            </p:stCondLst>
+                            <p:childTnLst>
+                              <p:par>
+                                <p:cTn id="17" presetID="1" presetClass="entr" presetSubtype="0" fill="hold" grpId="0" nodeType="clickEffect">
+                                  <p:stCondLst>
+                                    <p:cond delay="0"/>
+                                  </p:stCondLst>
+                                  <p:childTnLst>
+                                    <p:set>
+                                      <p:cBhvr>
+                                        <p:cTn id="18" dur="1" fill="hold">
+                                          <p:stCondLst>
+                                            <p:cond delay="0"/>
+                                          </p:stCondLst>
+                                        </p:cTn>
+                                        <p:tgtEl>
+                                          <p:spTgt spid="3">
+                                            <p:txEl>
+                                              <p:pRg st="4" end="4"/>
+                                            </p:txEl>
+                                          </p:spTgt>
+                                        </p:tgtEl>
+                                        <p:attrNameLst>
+                                          <p:attrName>style.visibility</p:attrName>
+                                        </p:attrNameLst>
+                                      </p:cBhvr>
+                                      <p:to>
+                                        <p:strVal val="visible"/>
+                                      </p:to>
+                                    </p:set>
+                                  </p:childTnLst>
+                                </p:cTn>
+                              </p:par>
+                            </p:childTnLst>
+                          </p:cTn>
+                        </p:par>
+                      </p:childTnLst>
+                    </p:cTn>
+                  </p:par>
+                  <p:par>
+                    <p:cTn id="19" fill="hold">
+                      <p:stCondLst>
+                        <p:cond delay="indefinite"/>
+                      </p:stCondLst>
+                      <p:childTnLst>
+                        <p:par>
+                          <p:cTn id="20" fill="hold">
+                            <p:stCondLst>
+                              <p:cond delay="0"/>
+                            </p:stCondLst>
+                            <p:childTnLst>
+                              <p:par>
+                                <p:cTn id="21" presetID="1" presetClass="entr" presetSubtype="0" fill="hold" grpId="0" nodeType="clickEffect">
+                                  <p:stCondLst>
+                                    <p:cond delay="0"/>
+                                  </p:stCondLst>
+                                  <p:childTnLst>
+                                    <p:set>
+                                      <p:cBhvr>
+                                        <p:cTn id="22" dur="1" fill="hold">
+                                          <p:stCondLst>
+                                            <p:cond delay="0"/>
+                                          </p:stCondLst>
+                                        </p:cTn>
+                                        <p:tgtEl>
+                                          <p:spTgt spid="3">
+                                            <p:txEl>
+                                              <p:pRg st="5" end="5"/>
+                                            </p:txEl>
+                                          </p:spTgt>
+                                        </p:tgtEl>
+                                        <p:attrNameLst>
+                                          <p:attrName>style.visibility</p:attrName>
+                                        </p:attrNameLst>
+                                      </p:cBhvr>
+                                      <p:to>
+                                        <p:strVal val="visible"/>
+                                      </p:to>
+                                    </p:set>
+                                  </p:childTnLst>
+                                </p:cTn>
+                              </p:par>
+                              <p:par>
+                                <p:cTn id="23" presetID="1" presetClass="entr" presetSubtype="0" fill="hold" grpId="0" nodeType="withEffect">
+                                  <p:stCondLst>
+                                    <p:cond delay="0"/>
+                                  </p:stCondLst>
+                                  <p:childTnLst>
+                                    <p:set>
+                                      <p:cBhvr>
+                                        <p:cTn id="24" dur="1" fill="hold">
+                                          <p:stCondLst>
+                                            <p:cond delay="0"/>
+                                          </p:stCondLst>
+                                        </p:cTn>
+                                        <p:tgtEl>
+                                          <p:spTgt spid="3">
+                                            <p:txEl>
+                                              <p:pRg st="6" end="6"/>
+                                            </p:txEl>
+                                          </p:spTgt>
+                                        </p:tgtEl>
+                                        <p:attrNameLst>
+                                          <p:attrName>style.visibility</p:attrName>
+                                        </p:attrNameLst>
+                                      </p:cBhvr>
+                                      <p:to>
+                                        <p:strVal val="visible"/>
+                                      </p:to>
+                                    </p:set>
+                                  </p:childTnLst>
+                                </p:cTn>
+                              </p:par>
+                            </p:childTnLst>
+                          </p:cTn>
+                        </p:par>
+                      </p:childTnLst>
+                    </p:cTn>
+                  </p:par>
+                </p:childTnLst>
+              </p:cTn>
+              <p:prevCondLst>
+                <p:cond evt="onPrev" delay="0">
+                  <p:tgtEl>
+                    <p:sldTgt/>
+                  </p:tgtEl>
+                </p:cond>
+              </p:prevCondLst>
+              <p:nextCondLst>
+                <p:cond evt="onNext" delay="0">
+                  <p:tgtEl>
+                    <p:sldTgt/>
+                  </p:tgtEl>
+                </p:cond>
+              </p:nextCondLst>
+            </p:seq>
+          </p:childTnLst>
+        </p:cTn>
+      </p:par>
+    </p:tnLst>
+    <p:bldLst>
+      <p:bldP spid="3" grpId="0" build="p"/>
+    </p:bldLst>
+  </p:timing>
 </p:sld>
 </file>
 
